--- a/spring/docs/02-servlet-basic.pptx
+++ b/spring/docs/02-servlet-basic.pptx
@@ -6,12 +6,24 @@
     <p:sldMasterId id="2147483660" r:id="rId2"/>
   </p:sldMasterIdLst>
   <p:notesMasterIdLst>
-    <p:notesMasterId r:id="rId6"/>
+    <p:notesMasterId r:id="rId18"/>
   </p:notesMasterIdLst>
   <p:sldIdLst>
     <p:sldId id="256" r:id="rId3"/>
     <p:sldId id="262" r:id="rId4"/>
-    <p:sldId id="261" r:id="rId5"/>
+    <p:sldId id="263" r:id="rId5"/>
+    <p:sldId id="264" r:id="rId6"/>
+    <p:sldId id="265" r:id="rId7"/>
+    <p:sldId id="266" r:id="rId8"/>
+    <p:sldId id="267" r:id="rId9"/>
+    <p:sldId id="285" r:id="rId10"/>
+    <p:sldId id="284" r:id="rId11"/>
+    <p:sldId id="286" r:id="rId12"/>
+    <p:sldId id="268" r:id="rId13"/>
+    <p:sldId id="272" r:id="rId14"/>
+    <p:sldId id="269" r:id="rId15"/>
+    <p:sldId id="270" r:id="rId16"/>
+    <p:sldId id="261" r:id="rId17"/>
   </p:sldIdLst>
   <p:sldSz cx="9144000" cy="6858000" type="screen4x3"/>
   <p:notesSz cx="6858000" cy="9144000"/>
@@ -195,7 +207,7 @@
           <a:p>
             <a:fld id="{D6CB015B-B7FF-4093-8E19-9AD7339689D2}" type="datetimeFigureOut">
               <a:rPr lang="zh-CN" altLang="en-US" smtClean="0"/>
-              <a:t>2017/12/7</a:t>
+              <a:t>2017/12/19</a:t>
             </a:fld>
             <a:endParaRPr lang="zh-CN" altLang="en-US"/>
           </a:p>
@@ -550,7 +562,7 @@
             <a:fld id="{96901A81-0F01-4EEE-B1B8-8AAFCC661EC4}" type="slidenum">
               <a:rPr lang="zh-CN" altLang="en-US" smtClean="0"/>
               <a:pPr/>
-              <a:t>3</a:t>
+              <a:t>15</a:t>
             </a:fld>
             <a:endParaRPr lang="zh-CN" altLang="en-US"/>
           </a:p>
@@ -2165,7 +2177,7 @@
             <a:fld id="{B35E7478-ADE7-4480-A214-01473DFE0029}" type="datetimeFigureOut">
               <a:rPr lang="zh-CN" altLang="en-US" smtClean="0"/>
               <a:pPr/>
-              <a:t>2017/12/7</a:t>
+              <a:t>2017/12/19</a:t>
             </a:fld>
             <a:endParaRPr lang="zh-CN" altLang="en-US"/>
           </a:p>
@@ -6030,7 +6042,7 @@
             <a:fld id="{B35E7478-ADE7-4480-A214-01473DFE0029}" type="datetimeFigureOut">
               <a:rPr lang="zh-CN" altLang="en-US" smtClean="0"/>
               <a:pPr/>
-              <a:t>2017/12/7</a:t>
+              <a:t>2017/12/19</a:t>
             </a:fld>
             <a:endParaRPr lang="zh-CN" altLang="en-US"/>
           </a:p>
@@ -7698,7 +7710,7 @@
             <a:fld id="{B35E7478-ADE7-4480-A214-01473DFE0029}" type="datetimeFigureOut">
               <a:rPr lang="zh-CN" altLang="en-US" smtClean="0"/>
               <a:pPr/>
-              <a:t>2017/12/7</a:t>
+              <a:t>2017/12/19</a:t>
             </a:fld>
             <a:endParaRPr lang="zh-CN" altLang="en-US"/>
           </a:p>
@@ -12002,7 +12014,7 @@
                 </a:solidFill>
               </a:rPr>
               <a:pPr/>
-              <a:t>2017/12/7</a:t>
+              <a:t>2017/12/19</a:t>
             </a:fld>
             <a:endParaRPr lang="zh-CN" altLang="en-US">
               <a:solidFill>
@@ -15920,7 +15932,7 @@
                 </a:solidFill>
               </a:rPr>
               <a:pPr/>
-              <a:t>2017/12/7</a:t>
+              <a:t>2017/12/19</a:t>
             </a:fld>
             <a:endParaRPr lang="zh-CN" altLang="en-US">
               <a:solidFill>
@@ -21771,7 +21783,7 @@
                 </a:solidFill>
               </a:rPr>
               <a:pPr/>
-              <a:t>2017/12/7</a:t>
+              <a:t>2017/12/19</a:t>
             </a:fld>
             <a:endParaRPr lang="zh-CN" altLang="en-US">
               <a:solidFill>
@@ -22361,7 +22373,7 @@
                 </a:solidFill>
               </a:rPr>
               <a:pPr/>
-              <a:t>2017/12/7</a:t>
+              <a:t>2017/12/19</a:t>
             </a:fld>
             <a:endParaRPr lang="zh-CN" altLang="en-US">
               <a:solidFill>
@@ -26065,7 +26077,7 @@
                 </a:solidFill>
               </a:rPr>
               <a:pPr/>
-              <a:t>2017/12/7</a:t>
+              <a:t>2017/12/19</a:t>
             </a:fld>
             <a:endParaRPr lang="zh-CN" altLang="en-US">
               <a:solidFill>
@@ -26199,7 +26211,7 @@
                 </a:solidFill>
               </a:rPr>
               <a:pPr/>
-              <a:t>2017/12/7</a:t>
+              <a:t>2017/12/19</a:t>
             </a:fld>
             <a:endParaRPr lang="zh-CN" altLang="en-US">
               <a:solidFill>
@@ -27028,7 +27040,7 @@
             <a:fld id="{B35E7478-ADE7-4480-A214-01473DFE0029}" type="datetimeFigureOut">
               <a:rPr lang="zh-CN" altLang="en-US" smtClean="0"/>
               <a:pPr/>
-              <a:t>2017/12/7</a:t>
+              <a:t>2017/12/19</a:t>
             </a:fld>
             <a:endParaRPr lang="zh-CN" altLang="en-US"/>
           </a:p>
@@ -32356,7 +32368,7 @@
             <a:fld id="{B35E7478-ADE7-4480-A214-01473DFE0029}" type="datetimeFigureOut">
               <a:rPr lang="zh-CN" altLang="en-US" smtClean="0"/>
               <a:pPr/>
-              <a:t>2017/12/7</a:t>
+              <a:t>2017/12/19</a:t>
             </a:fld>
             <a:endParaRPr lang="zh-CN" altLang="en-US"/>
           </a:p>
@@ -37710,7 +37722,7 @@
             <a:fld id="{B35E7478-ADE7-4480-A214-01473DFE0029}" type="datetimeFigureOut">
               <a:rPr lang="zh-CN" altLang="en-US" smtClean="0"/>
               <a:pPr/>
-              <a:t>2017/12/7</a:t>
+              <a:t>2017/12/19</a:t>
             </a:fld>
             <a:endParaRPr lang="zh-CN" altLang="en-US"/>
           </a:p>
@@ -37807,7 +37819,7 @@
             <a:fld id="{B35E7478-ADE7-4480-A214-01473DFE0029}" type="datetimeFigureOut">
               <a:rPr lang="zh-CN" altLang="en-US" smtClean="0"/>
               <a:pPr/>
-              <a:t>2017/12/7</a:t>
+              <a:t>2017/12/19</a:t>
             </a:fld>
             <a:endParaRPr lang="zh-CN" altLang="en-US"/>
           </a:p>
@@ -38093,7 +38105,7 @@
             <a:fld id="{B35E7478-ADE7-4480-A214-01473DFE0029}" type="datetimeFigureOut">
               <a:rPr lang="zh-CN" altLang="en-US" smtClean="0"/>
               <a:pPr/>
-              <a:t>2017/12/7</a:t>
+              <a:t>2017/12/19</a:t>
             </a:fld>
             <a:endParaRPr lang="zh-CN" altLang="en-US"/>
           </a:p>
@@ -38348,7 +38360,7 @@
             <a:fld id="{B35E7478-ADE7-4480-A214-01473DFE0029}" type="datetimeFigureOut">
               <a:rPr lang="zh-CN" altLang="en-US" smtClean="0"/>
               <a:pPr/>
-              <a:t>2017/12/7</a:t>
+              <a:t>2017/12/19</a:t>
             </a:fld>
             <a:endParaRPr lang="zh-CN" altLang="en-US"/>
           </a:p>
@@ -38520,7 +38532,7 @@
             <a:fld id="{B35E7478-ADE7-4480-A214-01473DFE0029}" type="datetimeFigureOut">
               <a:rPr lang="zh-CN" altLang="en-US" smtClean="0"/>
               <a:pPr/>
-              <a:t>2017/12/7</a:t>
+              <a:t>2017/12/19</a:t>
             </a:fld>
             <a:endParaRPr lang="zh-CN" altLang="en-US"/>
           </a:p>
@@ -38747,7 +38759,7 @@
             <a:fld id="{B35E7478-ADE7-4480-A214-01473DFE0029}" type="datetimeFigureOut">
               <a:rPr lang="zh-CN" altLang="en-US" smtClean="0"/>
               <a:pPr/>
-              <a:t>2017/12/7</a:t>
+              <a:t>2017/12/19</a:t>
             </a:fld>
             <a:endParaRPr lang="zh-CN" altLang="en-US"/>
           </a:p>
@@ -39283,7 +39295,7 @@
                 </a:solidFill>
               </a:rPr>
               <a:pPr/>
-              <a:t>2017/12/7</a:t>
+              <a:t>2017/12/19</a:t>
             </a:fld>
             <a:endParaRPr lang="zh-CN" altLang="en-US">
               <a:solidFill>
@@ -39759,6 +39771,825 @@
 </p:sld>
 </file>
 
+<file path=ppt/slides/slide10.xml><?xml version="1.0" encoding="utf-8"?>
+<p:sld xmlns:a="http://schemas.openxmlformats.org/drawingml/2006/main" xmlns:r="http://schemas.openxmlformats.org/officeDocument/2006/relationships" xmlns:p="http://schemas.openxmlformats.org/presentationml/2006/main">
+  <p:cSld>
+    <p:spTree>
+      <p:nvGrpSpPr>
+        <p:cNvPr id="1" name=""/>
+        <p:cNvGrpSpPr/>
+        <p:nvPr/>
+      </p:nvGrpSpPr>
+      <p:grpSpPr>
+        <a:xfrm>
+          <a:off x="0" y="0"/>
+          <a:ext cx="0" cy="0"/>
+          <a:chOff x="0" y="0"/>
+          <a:chExt cx="0" cy="0"/>
+        </a:xfrm>
+      </p:grpSpPr>
+      <p:sp>
+        <p:nvSpPr>
+          <p:cNvPr id="2" name="标题 1"/>
+          <p:cNvSpPr>
+            <a:spLocks noGrp="1"/>
+          </p:cNvSpPr>
+          <p:nvPr>
+            <p:ph type="title"/>
+          </p:nvPr>
+        </p:nvSpPr>
+        <p:spPr/>
+        <p:txBody>
+          <a:bodyPr>
+            <a:normAutofit fontScale="90000"/>
+          </a:bodyPr>
+          <a:lstStyle/>
+          <a:p>
+            <a:r>
+              <a:rPr lang="en-US" altLang="zh-CN" dirty="0" smtClean="0"/>
+              <a:t>web.xml</a:t>
+            </a:r>
+            <a:r>
+              <a:rPr lang="zh-CN" altLang="en-US" dirty="0" smtClean="0"/>
+              <a:t>综述</a:t>
+            </a:r>
+            <a:endParaRPr lang="zh-CN" altLang="en-US" dirty="0"/>
+          </a:p>
+        </p:txBody>
+      </p:sp>
+      <p:sp>
+        <p:nvSpPr>
+          <p:cNvPr id="3" name="内容占位符 2"/>
+          <p:cNvSpPr>
+            <a:spLocks noGrp="1"/>
+          </p:cNvSpPr>
+          <p:nvPr>
+            <p:ph idx="1"/>
+          </p:nvPr>
+        </p:nvSpPr>
+        <p:spPr/>
+        <p:txBody>
+          <a:bodyPr>
+            <a:normAutofit fontScale="77500" lnSpcReduction="20000"/>
+          </a:bodyPr>
+          <a:lstStyle/>
+          <a:p>
+            <a:pPr marL="0" indent="0">
+              <a:buNone/>
+            </a:pPr>
+            <a:r>
+              <a:rPr lang="en-US" altLang="zh-CN" dirty="0"/>
+              <a:t>&lt;web-app&gt;</a:t>
+            </a:r>
+          </a:p>
+          <a:p>
+            <a:pPr marL="0" indent="0">
+              <a:buNone/>
+            </a:pPr>
+            <a:r>
+              <a:rPr lang="en-US" altLang="zh-CN" dirty="0"/>
+              <a:t>    &lt;context-</a:t>
+            </a:r>
+            <a:r>
+              <a:rPr lang="en-US" altLang="zh-CN" dirty="0" err="1"/>
+              <a:t>param</a:t>
+            </a:r>
+            <a:r>
+              <a:rPr lang="en-US" altLang="zh-CN" dirty="0"/>
+              <a:t>/&gt;</a:t>
+            </a:r>
+          </a:p>
+          <a:p>
+            <a:pPr marL="0" indent="0">
+              <a:buNone/>
+            </a:pPr>
+            <a:r>
+              <a:rPr lang="en-US" altLang="zh-CN" dirty="0"/>
+              <a:t>    &lt;listener/&gt;</a:t>
+            </a:r>
+          </a:p>
+          <a:p>
+            <a:pPr marL="0" indent="0">
+              <a:buNone/>
+            </a:pPr>
+            <a:r>
+              <a:rPr lang="en-US" altLang="zh-CN" dirty="0"/>
+              <a:t>    &lt;filter/&gt;</a:t>
+            </a:r>
+          </a:p>
+          <a:p>
+            <a:pPr marL="0" indent="0">
+              <a:buNone/>
+            </a:pPr>
+            <a:r>
+              <a:rPr lang="en-US" altLang="zh-CN" dirty="0"/>
+              <a:t>    &lt;filter-mapping/&gt;</a:t>
+            </a:r>
+          </a:p>
+          <a:p>
+            <a:pPr marL="0" indent="0">
+              <a:buNone/>
+            </a:pPr>
+            <a:r>
+              <a:rPr lang="en-US" altLang="zh-CN" dirty="0"/>
+              <a:t>    &lt;servlet/&gt;</a:t>
+            </a:r>
+          </a:p>
+          <a:p>
+            <a:pPr marL="0" indent="0">
+              <a:buNone/>
+            </a:pPr>
+            <a:r>
+              <a:rPr lang="en-US" altLang="zh-CN" dirty="0"/>
+              <a:t>    &lt;servlet-mapping/&gt;</a:t>
+            </a:r>
+          </a:p>
+          <a:p>
+            <a:pPr marL="0" indent="0">
+              <a:buNone/>
+            </a:pPr>
+            <a:r>
+              <a:rPr lang="en-US" altLang="zh-CN" dirty="0"/>
+              <a:t>    &lt;</a:t>
+            </a:r>
+            <a:r>
+              <a:rPr lang="en-US" altLang="zh-CN" dirty="0" err="1"/>
+              <a:t>jsp-config</a:t>
+            </a:r>
+            <a:r>
+              <a:rPr lang="en-US" altLang="zh-CN" dirty="0"/>
+              <a:t>/&gt;</a:t>
+            </a:r>
+          </a:p>
+          <a:p>
+            <a:pPr marL="0" indent="0">
+              <a:buNone/>
+            </a:pPr>
+            <a:r>
+              <a:rPr lang="en-US" altLang="zh-CN" dirty="0"/>
+              <a:t>    &lt;session-</a:t>
+            </a:r>
+            <a:r>
+              <a:rPr lang="en-US" altLang="zh-CN" dirty="0" err="1"/>
+              <a:t>config</a:t>
+            </a:r>
+            <a:r>
+              <a:rPr lang="en-US" altLang="zh-CN" dirty="0"/>
+              <a:t>/&gt;</a:t>
+            </a:r>
+          </a:p>
+          <a:p>
+            <a:pPr marL="0" indent="0">
+              <a:buNone/>
+            </a:pPr>
+            <a:r>
+              <a:rPr lang="en-US" altLang="zh-CN" dirty="0"/>
+              <a:t>    &lt;welcome-file-list/&gt;</a:t>
+            </a:r>
+          </a:p>
+          <a:p>
+            <a:pPr marL="0" indent="0">
+              <a:buNone/>
+            </a:pPr>
+            <a:r>
+              <a:rPr lang="en-US" altLang="zh-CN" dirty="0"/>
+              <a:t>&lt;/web-app&gt;</a:t>
+            </a:r>
+          </a:p>
+          <a:p>
+            <a:pPr marL="0" indent="0">
+              <a:buNone/>
+            </a:pPr>
+            <a:endParaRPr lang="zh-CN" altLang="en-US" dirty="0"/>
+          </a:p>
+        </p:txBody>
+      </p:sp>
+    </p:spTree>
+    <p:extLst>
+      <p:ext uri="{BB962C8B-B14F-4D97-AF65-F5344CB8AC3E}">
+        <p14:creationId xmlns:p14="http://schemas.microsoft.com/office/powerpoint/2010/main" val="2449070683"/>
+      </p:ext>
+    </p:extLst>
+  </p:cSld>
+  <p:clrMapOvr>
+    <a:masterClrMapping/>
+  </p:clrMapOvr>
+</p:sld>
+</file>
+
+<file path=ppt/slides/slide11.xml><?xml version="1.0" encoding="utf-8"?>
+<p:sld xmlns:a="http://schemas.openxmlformats.org/drawingml/2006/main" xmlns:r="http://schemas.openxmlformats.org/officeDocument/2006/relationships" xmlns:p="http://schemas.openxmlformats.org/presentationml/2006/main">
+  <p:cSld>
+    <p:spTree>
+      <p:nvGrpSpPr>
+        <p:cNvPr id="1" name=""/>
+        <p:cNvGrpSpPr/>
+        <p:nvPr/>
+      </p:nvGrpSpPr>
+      <p:grpSpPr>
+        <a:xfrm>
+          <a:off x="0" y="0"/>
+          <a:ext cx="0" cy="0"/>
+          <a:chOff x="0" y="0"/>
+          <a:chExt cx="0" cy="0"/>
+        </a:xfrm>
+      </p:grpSpPr>
+      <p:sp>
+        <p:nvSpPr>
+          <p:cNvPr id="24578" name="内容占位符 1"/>
+          <p:cNvSpPr>
+            <a:spLocks noGrp="1"/>
+          </p:cNvSpPr>
+          <p:nvPr>
+            <p:ph idx="1"/>
+          </p:nvPr>
+        </p:nvSpPr>
+        <p:spPr>
+          <a:xfrm>
+            <a:off x="428625" y="1143000"/>
+            <a:ext cx="8429625" cy="4525963"/>
+          </a:xfrm>
+        </p:spPr>
+        <p:txBody>
+          <a:bodyPr/>
+          <a:lstStyle/>
+          <a:p>
+            <a:pPr eaLnBrk="1" hangingPunct="1"/>
+            <a:r>
+              <a:rPr lang="en-US" altLang="zh-CN" smtClean="0"/>
+              <a:t>URI</a:t>
+            </a:r>
+            <a:r>
+              <a:rPr lang="zh-CN" altLang="en-US" smtClean="0"/>
+              <a:t>到</a:t>
+            </a:r>
+            <a:r>
+              <a:rPr lang="en-US" altLang="zh-CN" smtClean="0"/>
+              <a:t>Servlet</a:t>
+            </a:r>
+            <a:r>
+              <a:rPr lang="zh-CN" altLang="en-US" smtClean="0"/>
+              <a:t>的映射太繁琐</a:t>
+            </a:r>
+            <a:endParaRPr lang="en-US" altLang="zh-CN" smtClean="0"/>
+          </a:p>
+          <a:p>
+            <a:pPr eaLnBrk="1" hangingPunct="1"/>
+            <a:r>
+              <a:rPr lang="en-US" altLang="zh-CN" smtClean="0"/>
+              <a:t>HttpServlet</a:t>
+            </a:r>
+            <a:r>
+              <a:rPr lang="zh-CN" altLang="en-US" smtClean="0"/>
+              <a:t>污染了代码</a:t>
+            </a:r>
+            <a:endParaRPr lang="en-US" altLang="zh-CN" smtClean="0"/>
+          </a:p>
+          <a:p>
+            <a:pPr eaLnBrk="1" hangingPunct="1"/>
+            <a:r>
+              <a:rPr lang="zh-CN" altLang="en-US" smtClean="0"/>
+              <a:t>安全</a:t>
+            </a:r>
+            <a:endParaRPr lang="en-US" altLang="zh-CN" smtClean="0"/>
+          </a:p>
+          <a:p>
+            <a:pPr eaLnBrk="1" hangingPunct="1"/>
+            <a:r>
+              <a:rPr lang="zh-CN" altLang="en-US" smtClean="0"/>
+              <a:t>事务</a:t>
+            </a:r>
+          </a:p>
+        </p:txBody>
+      </p:sp>
+      <p:sp>
+        <p:nvSpPr>
+          <p:cNvPr id="3" name="标题 2"/>
+          <p:cNvSpPr>
+            <a:spLocks noGrp="1"/>
+          </p:cNvSpPr>
+          <p:nvPr>
+            <p:ph type="title"/>
+          </p:nvPr>
+        </p:nvSpPr>
+        <p:spPr>
+          <a:xfrm>
+            <a:off x="34925" y="188913"/>
+            <a:ext cx="8229600" cy="571500"/>
+          </a:xfrm>
+        </p:spPr>
+        <p:txBody>
+          <a:bodyPr>
+            <a:normAutofit fontScale="90000"/>
+          </a:bodyPr>
+          <a:lstStyle/>
+          <a:p>
+            <a:pPr eaLnBrk="1" hangingPunct="1">
+              <a:defRPr/>
+            </a:pPr>
+            <a:r>
+              <a:rPr lang="en-US" altLang="zh-CN" dirty="0" smtClean="0">
+                <a:ea typeface="宋体" pitchFamily="2" charset="-122"/>
+              </a:rPr>
+              <a:t>MVC</a:t>
+            </a:r>
+            <a:endParaRPr lang="zh-CN" altLang="en-US" dirty="0"/>
+          </a:p>
+        </p:txBody>
+      </p:sp>
+    </p:spTree>
+    <p:extLst>
+      <p:ext uri="{BB962C8B-B14F-4D97-AF65-F5344CB8AC3E}">
+        <p14:creationId xmlns:p14="http://schemas.microsoft.com/office/powerpoint/2010/main" val="3250613225"/>
+      </p:ext>
+    </p:extLst>
+  </p:cSld>
+  <p:clrMapOvr>
+    <a:masterClrMapping/>
+  </p:clrMapOvr>
+  <p:timing>
+    <p:tnLst>
+      <p:par>
+        <p:cTn id="1" dur="indefinite" restart="never" nodeType="tmRoot"/>
+      </p:par>
+    </p:tnLst>
+  </p:timing>
+</p:sld>
+</file>
+
+<file path=ppt/slides/slide12.xml><?xml version="1.0" encoding="utf-8"?>
+<p:sld xmlns:a="http://schemas.openxmlformats.org/drawingml/2006/main" xmlns:r="http://schemas.openxmlformats.org/officeDocument/2006/relationships" xmlns:p="http://schemas.openxmlformats.org/presentationml/2006/main">
+  <p:cSld>
+    <p:spTree>
+      <p:nvGrpSpPr>
+        <p:cNvPr id="1" name=""/>
+        <p:cNvGrpSpPr/>
+        <p:nvPr/>
+      </p:nvGrpSpPr>
+      <p:grpSpPr>
+        <a:xfrm>
+          <a:off x="0" y="0"/>
+          <a:ext cx="0" cy="0"/>
+          <a:chOff x="0" y="0"/>
+          <a:chExt cx="0" cy="0"/>
+        </a:xfrm>
+      </p:grpSpPr>
+      <p:sp>
+        <p:nvSpPr>
+          <p:cNvPr id="28674" name="内容占位符 1"/>
+          <p:cNvSpPr>
+            <a:spLocks noGrp="1"/>
+          </p:cNvSpPr>
+          <p:nvPr>
+            <p:ph idx="1"/>
+          </p:nvPr>
+        </p:nvSpPr>
+        <p:spPr>
+          <a:xfrm>
+            <a:off x="428625" y="1143000"/>
+            <a:ext cx="8429625" cy="4525963"/>
+          </a:xfrm>
+        </p:spPr>
+        <p:txBody>
+          <a:bodyPr/>
+          <a:lstStyle/>
+          <a:p>
+            <a:pPr eaLnBrk="1" hangingPunct="1"/>
+            <a:endParaRPr lang="zh-CN" altLang="en-US" sz="2400" dirty="0" smtClean="0"/>
+          </a:p>
+        </p:txBody>
+      </p:sp>
+      <p:sp>
+        <p:nvSpPr>
+          <p:cNvPr id="3" name="标题 2"/>
+          <p:cNvSpPr>
+            <a:spLocks noGrp="1"/>
+          </p:cNvSpPr>
+          <p:nvPr>
+            <p:ph type="title"/>
+          </p:nvPr>
+        </p:nvSpPr>
+        <p:spPr>
+          <a:xfrm>
+            <a:off x="34925" y="188913"/>
+            <a:ext cx="8229600" cy="571500"/>
+          </a:xfrm>
+        </p:spPr>
+        <p:txBody>
+          <a:bodyPr>
+            <a:normAutofit fontScale="90000"/>
+          </a:bodyPr>
+          <a:lstStyle/>
+          <a:p>
+            <a:pPr eaLnBrk="1" hangingPunct="1">
+              <a:defRPr/>
+            </a:pPr>
+            <a:r>
+              <a:rPr lang="en-US" altLang="zh-CN" dirty="0" err="1" smtClean="0"/>
+              <a:t>DispatchServlet</a:t>
+            </a:r>
+            <a:r>
+              <a:rPr lang="en-US" altLang="zh-CN" dirty="0" smtClean="0"/>
+              <a:t> &amp; MVC</a:t>
+            </a:r>
+            <a:endParaRPr lang="zh-CN" altLang="en-US" dirty="0"/>
+          </a:p>
+        </p:txBody>
+      </p:sp>
+      <p:pic>
+        <p:nvPicPr>
+          <p:cNvPr id="28676" name="Picture 6"/>
+          <p:cNvPicPr>
+            <a:picLocks noChangeAspect="1" noChangeArrowheads="1"/>
+          </p:cNvPicPr>
+          <p:nvPr/>
+        </p:nvPicPr>
+        <p:blipFill>
+          <a:blip r:embed="rId2">
+            <a:extLst>
+              <a:ext uri="{28A0092B-C50C-407E-A947-70E740481C1C}">
+                <a14:useLocalDpi xmlns:a14="http://schemas.microsoft.com/office/drawing/2010/main" val="0"/>
+              </a:ext>
+            </a:extLst>
+          </a:blip>
+          <a:srcRect/>
+          <a:stretch>
+            <a:fillRect/>
+          </a:stretch>
+        </p:blipFill>
+        <p:spPr bwMode="auto">
+          <a:xfrm>
+            <a:off x="381000" y="1484784"/>
+            <a:ext cx="8443913" cy="3603625"/>
+          </a:xfrm>
+          <a:prstGeom prst="rect">
+            <a:avLst/>
+          </a:prstGeom>
+          <a:noFill/>
+          <a:ln>
+            <a:noFill/>
+          </a:ln>
+          <a:extLst>
+            <a:ext uri="{909E8E84-426E-40DD-AFC4-6F175D3DCCD1}">
+              <a14:hiddenFill xmlns:a14="http://schemas.microsoft.com/office/drawing/2010/main">
+                <a:solidFill>
+                  <a:srgbClr val="FFFFFF"/>
+                </a:solidFill>
+              </a14:hiddenFill>
+            </a:ext>
+            <a:ext uri="{91240B29-F687-4F45-9708-019B960494DF}">
+              <a14:hiddenLine xmlns:a14="http://schemas.microsoft.com/office/drawing/2010/main" w="9525" algn="ctr">
+                <a:solidFill>
+                  <a:srgbClr val="000000"/>
+                </a:solidFill>
+                <a:miter lim="800000"/>
+                <a:headEnd/>
+                <a:tailEnd/>
+              </a14:hiddenLine>
+            </a:ext>
+          </a:extLst>
+        </p:spPr>
+      </p:pic>
+    </p:spTree>
+    <p:extLst>
+      <p:ext uri="{BB962C8B-B14F-4D97-AF65-F5344CB8AC3E}">
+        <p14:creationId xmlns:p14="http://schemas.microsoft.com/office/powerpoint/2010/main" val="4172537215"/>
+      </p:ext>
+    </p:extLst>
+  </p:cSld>
+  <p:clrMapOvr>
+    <a:masterClrMapping/>
+  </p:clrMapOvr>
+  <p:timing>
+    <p:tnLst>
+      <p:par>
+        <p:cTn id="1" dur="indefinite" restart="never" nodeType="tmRoot"/>
+      </p:par>
+    </p:tnLst>
+  </p:timing>
+</p:sld>
+</file>
+
+<file path=ppt/slides/slide13.xml><?xml version="1.0" encoding="utf-8"?>
+<p:sld xmlns:a="http://schemas.openxmlformats.org/drawingml/2006/main" xmlns:r="http://schemas.openxmlformats.org/officeDocument/2006/relationships" xmlns:p="http://schemas.openxmlformats.org/presentationml/2006/main">
+  <p:cSld>
+    <p:spTree>
+      <p:nvGrpSpPr>
+        <p:cNvPr id="1" name=""/>
+        <p:cNvGrpSpPr/>
+        <p:nvPr/>
+      </p:nvGrpSpPr>
+      <p:grpSpPr>
+        <a:xfrm>
+          <a:off x="0" y="0"/>
+          <a:ext cx="0" cy="0"/>
+          <a:chOff x="0" y="0"/>
+          <a:chExt cx="0" cy="0"/>
+        </a:xfrm>
+      </p:grpSpPr>
+      <p:sp>
+        <p:nvSpPr>
+          <p:cNvPr id="25602" name="内容占位符 1"/>
+          <p:cNvSpPr>
+            <a:spLocks noGrp="1"/>
+          </p:cNvSpPr>
+          <p:nvPr>
+            <p:ph idx="1"/>
+          </p:nvPr>
+        </p:nvSpPr>
+        <p:spPr>
+          <a:xfrm>
+            <a:off x="428625" y="1143000"/>
+            <a:ext cx="8429625" cy="4525963"/>
+          </a:xfrm>
+        </p:spPr>
+        <p:txBody>
+          <a:bodyPr/>
+          <a:lstStyle/>
+          <a:p>
+            <a:pPr eaLnBrk="1" hangingPunct="1"/>
+            <a:r>
+              <a:rPr lang="en-US" altLang="zh-CN" smtClean="0"/>
+              <a:t>Model – </a:t>
+            </a:r>
+            <a:r>
+              <a:rPr lang="zh-CN" altLang="en-US" smtClean="0"/>
+              <a:t>业务逻辑，相对稳定</a:t>
+            </a:r>
+            <a:endParaRPr lang="en-US" altLang="zh-CN" smtClean="0"/>
+          </a:p>
+          <a:p>
+            <a:pPr eaLnBrk="1" hangingPunct="1"/>
+            <a:r>
+              <a:rPr lang="en-US" altLang="zh-CN" smtClean="0"/>
+              <a:t>View – </a:t>
+            </a:r>
+            <a:r>
+              <a:rPr lang="zh-CN" altLang="en-US" smtClean="0"/>
+              <a:t>视图，</a:t>
+            </a:r>
+            <a:r>
+              <a:rPr lang="en-US" altLang="zh-CN" smtClean="0"/>
+              <a:t>UI</a:t>
+            </a:r>
+            <a:r>
+              <a:rPr lang="zh-CN" altLang="en-US" smtClean="0"/>
+              <a:t>，易变</a:t>
+            </a:r>
+            <a:endParaRPr lang="en-US" altLang="zh-CN" smtClean="0"/>
+          </a:p>
+          <a:p>
+            <a:pPr eaLnBrk="1" hangingPunct="1"/>
+            <a:r>
+              <a:rPr lang="en-US" altLang="zh-CN" smtClean="0"/>
+              <a:t>Controller – </a:t>
+            </a:r>
+            <a:r>
+              <a:rPr lang="zh-CN" altLang="en-US" smtClean="0"/>
+              <a:t>控制流程，易变</a:t>
+            </a:r>
+          </a:p>
+        </p:txBody>
+      </p:sp>
+      <p:sp>
+        <p:nvSpPr>
+          <p:cNvPr id="3" name="标题 2"/>
+          <p:cNvSpPr>
+            <a:spLocks noGrp="1"/>
+          </p:cNvSpPr>
+          <p:nvPr>
+            <p:ph type="title"/>
+          </p:nvPr>
+        </p:nvSpPr>
+        <p:spPr>
+          <a:xfrm>
+            <a:off x="34925" y="188913"/>
+            <a:ext cx="8229600" cy="571500"/>
+          </a:xfrm>
+        </p:spPr>
+        <p:txBody>
+          <a:bodyPr>
+            <a:normAutofit fontScale="90000"/>
+          </a:bodyPr>
+          <a:lstStyle/>
+          <a:p>
+            <a:pPr eaLnBrk="1" hangingPunct="1">
+              <a:defRPr/>
+            </a:pPr>
+            <a:r>
+              <a:rPr lang="en-US" altLang="zh-CN" dirty="0" smtClean="0"/>
+              <a:t>Model-View-Control</a:t>
+            </a:r>
+            <a:endParaRPr lang="zh-CN" altLang="en-US" dirty="0"/>
+          </a:p>
+        </p:txBody>
+      </p:sp>
+    </p:spTree>
+    <p:extLst>
+      <p:ext uri="{BB962C8B-B14F-4D97-AF65-F5344CB8AC3E}">
+        <p14:creationId xmlns:p14="http://schemas.microsoft.com/office/powerpoint/2010/main" val="3493827199"/>
+      </p:ext>
+    </p:extLst>
+  </p:cSld>
+  <p:clrMapOvr>
+    <a:masterClrMapping/>
+  </p:clrMapOvr>
+  <p:timing>
+    <p:tnLst>
+      <p:par>
+        <p:cTn id="1" dur="indefinite" restart="never" nodeType="tmRoot"/>
+      </p:par>
+    </p:tnLst>
+  </p:timing>
+</p:sld>
+</file>
+
+<file path=ppt/slides/slide14.xml><?xml version="1.0" encoding="utf-8"?>
+<p:sld xmlns:a="http://schemas.openxmlformats.org/drawingml/2006/main" xmlns:r="http://schemas.openxmlformats.org/officeDocument/2006/relationships" xmlns:p="http://schemas.openxmlformats.org/presentationml/2006/main">
+  <p:cSld>
+    <p:spTree>
+      <p:nvGrpSpPr>
+        <p:cNvPr id="1" name=""/>
+        <p:cNvGrpSpPr/>
+        <p:nvPr/>
+      </p:nvGrpSpPr>
+      <p:grpSpPr>
+        <a:xfrm>
+          <a:off x="0" y="0"/>
+          <a:ext cx="0" cy="0"/>
+          <a:chOff x="0" y="0"/>
+          <a:chExt cx="0" cy="0"/>
+        </a:xfrm>
+      </p:grpSpPr>
+      <p:sp>
+        <p:nvSpPr>
+          <p:cNvPr id="26626" name="内容占位符 1"/>
+          <p:cNvSpPr>
+            <a:spLocks noGrp="1"/>
+          </p:cNvSpPr>
+          <p:nvPr>
+            <p:ph idx="1"/>
+          </p:nvPr>
+        </p:nvSpPr>
+        <p:spPr>
+          <a:xfrm>
+            <a:off x="428625" y="1143000"/>
+            <a:ext cx="8429625" cy="4525963"/>
+          </a:xfrm>
+        </p:spPr>
+        <p:txBody>
+          <a:bodyPr/>
+          <a:lstStyle/>
+          <a:p>
+            <a:pPr eaLnBrk="1" hangingPunct="1"/>
+            <a:endParaRPr lang="zh-CN" altLang="en-US" smtClean="0"/>
+          </a:p>
+        </p:txBody>
+      </p:sp>
+      <p:sp>
+        <p:nvSpPr>
+          <p:cNvPr id="3" name="标题 2"/>
+          <p:cNvSpPr>
+            <a:spLocks noGrp="1"/>
+          </p:cNvSpPr>
+          <p:nvPr>
+            <p:ph type="title"/>
+          </p:nvPr>
+        </p:nvSpPr>
+        <p:spPr>
+          <a:xfrm>
+            <a:off x="34925" y="188913"/>
+            <a:ext cx="8229600" cy="571500"/>
+          </a:xfrm>
+        </p:spPr>
+        <p:txBody>
+          <a:bodyPr>
+            <a:normAutofit fontScale="90000"/>
+          </a:bodyPr>
+          <a:lstStyle/>
+          <a:p>
+            <a:pPr eaLnBrk="1" hangingPunct="1">
+              <a:defRPr/>
+            </a:pPr>
+            <a:r>
+              <a:rPr lang="en-US" altLang="zh-CN" dirty="0" smtClean="0"/>
+              <a:t>Model-View-Control(MVC)</a:t>
+            </a:r>
+            <a:endParaRPr lang="zh-CN" altLang="en-US" dirty="0"/>
+          </a:p>
+        </p:txBody>
+      </p:sp>
+      <p:pic>
+        <p:nvPicPr>
+          <p:cNvPr id="26628" name="Picture 2"/>
+          <p:cNvPicPr>
+            <a:picLocks noChangeAspect="1" noChangeArrowheads="1"/>
+          </p:cNvPicPr>
+          <p:nvPr/>
+        </p:nvPicPr>
+        <p:blipFill>
+          <a:blip r:embed="rId2">
+            <a:extLst>
+              <a:ext uri="{28A0092B-C50C-407E-A947-70E740481C1C}">
+                <a14:useLocalDpi xmlns:a14="http://schemas.microsoft.com/office/drawing/2010/main" val="0"/>
+              </a:ext>
+            </a:extLst>
+          </a:blip>
+          <a:srcRect/>
+          <a:stretch>
+            <a:fillRect/>
+          </a:stretch>
+        </p:blipFill>
+        <p:spPr bwMode="auto">
+          <a:xfrm>
+            <a:off x="971600" y="1447800"/>
+            <a:ext cx="7334250" cy="3752850"/>
+          </a:xfrm>
+          <a:prstGeom prst="rect">
+            <a:avLst/>
+          </a:prstGeom>
+          <a:noFill/>
+          <a:ln>
+            <a:noFill/>
+          </a:ln>
+          <a:extLst>
+            <a:ext uri="{909E8E84-426E-40DD-AFC4-6F175D3DCCD1}">
+              <a14:hiddenFill xmlns:a14="http://schemas.microsoft.com/office/drawing/2010/main">
+                <a:solidFill>
+                  <a:srgbClr val="FFFFFF"/>
+                </a:solidFill>
+              </a14:hiddenFill>
+            </a:ext>
+            <a:ext uri="{91240B29-F687-4F45-9708-019B960494DF}">
+              <a14:hiddenLine xmlns:a14="http://schemas.microsoft.com/office/drawing/2010/main" w="9525" algn="ctr">
+                <a:solidFill>
+                  <a:srgbClr val="000000"/>
+                </a:solidFill>
+                <a:miter lim="800000"/>
+                <a:headEnd/>
+                <a:tailEnd/>
+              </a14:hiddenLine>
+            </a:ext>
+          </a:extLst>
+        </p:spPr>
+      </p:pic>
+    </p:spTree>
+    <p:extLst>
+      <p:ext uri="{BB962C8B-B14F-4D97-AF65-F5344CB8AC3E}">
+        <p14:creationId xmlns:p14="http://schemas.microsoft.com/office/powerpoint/2010/main" val="1607510638"/>
+      </p:ext>
+    </p:extLst>
+  </p:cSld>
+  <p:clrMapOvr>
+    <a:masterClrMapping/>
+  </p:clrMapOvr>
+  <p:timing>
+    <p:tnLst>
+      <p:par>
+        <p:cTn id="1" dur="indefinite" restart="never" nodeType="tmRoot"/>
+      </p:par>
+    </p:tnLst>
+  </p:timing>
+</p:sld>
+</file>
+
+<file path=ppt/slides/slide15.xml><?xml version="1.0" encoding="utf-8"?>
+<p:sld xmlns:a="http://schemas.openxmlformats.org/drawingml/2006/main" xmlns:r="http://schemas.openxmlformats.org/officeDocument/2006/relationships" xmlns:p="http://schemas.openxmlformats.org/presentationml/2006/main">
+  <p:cSld>
+    <p:spTree>
+      <p:nvGrpSpPr>
+        <p:cNvPr id="1" name=""/>
+        <p:cNvGrpSpPr/>
+        <p:nvPr/>
+      </p:nvGrpSpPr>
+      <p:grpSpPr>
+        <a:xfrm>
+          <a:off x="0" y="0"/>
+          <a:ext cx="0" cy="0"/>
+          <a:chOff x="0" y="0"/>
+          <a:chExt cx="0" cy="0"/>
+        </a:xfrm>
+      </p:grpSpPr>
+    </p:spTree>
+    <p:extLst>
+      <p:ext uri="{BB962C8B-B14F-4D97-AF65-F5344CB8AC3E}">
+        <p14:creationId xmlns:p14="http://schemas.microsoft.com/office/powerpoint/2010/main" val="3418871224"/>
+      </p:ext>
+    </p:extLst>
+  </p:cSld>
+  <p:clrMapOvr>
+    <a:masterClrMapping/>
+  </p:clrMapOvr>
+  <p:timing>
+    <p:tnLst>
+      <p:par>
+        <p:cTn id="1" dur="indefinite" restart="never" nodeType="tmRoot"/>
+      </p:par>
+    </p:tnLst>
+  </p:timing>
+</p:sld>
+</file>
+
 <file path=ppt/slides/slide2.xml><?xml version="1.0" encoding="utf-8"?>
 <p:sld xmlns:a="http://schemas.openxmlformats.org/drawingml/2006/main" xmlns:r="http://schemas.openxmlformats.org/officeDocument/2006/relationships" xmlns:p="http://schemas.openxmlformats.org/presentationml/2006/main">
   <p:cSld>
@@ -39793,7 +40624,15 @@
           </a:bodyPr>
           <a:lstStyle/>
           <a:p>
-            <a:endParaRPr lang="zh-CN" altLang="en-US"/>
+            <a:r>
+              <a:rPr lang="en-US" altLang="zh-CN" dirty="0" smtClean="0"/>
+              <a:t>Servlet</a:t>
+            </a:r>
+            <a:r>
+              <a:rPr lang="zh-CN" altLang="en-US" dirty="0" smtClean="0"/>
+              <a:t>的作用</a:t>
+            </a:r>
+            <a:endParaRPr lang="zh-CN" altLang="en-US" dirty="0"/>
           </a:p>
         </p:txBody>
       </p:sp>
@@ -39812,7 +40651,74 @@
           <a:bodyPr/>
           <a:lstStyle/>
           <a:p>
-            <a:endParaRPr lang="zh-CN" altLang="en-US"/>
+            <a:r>
+              <a:rPr lang="zh-CN" altLang="en-US" dirty="0" smtClean="0"/>
+              <a:t>读来自客户机的请求数据</a:t>
+            </a:r>
+            <a:endParaRPr lang="en-US" altLang="zh-CN" dirty="0" smtClean="0"/>
+          </a:p>
+          <a:p>
+            <a:pPr lvl="1"/>
+            <a:r>
+              <a:rPr lang="en-US" altLang="zh-CN" dirty="0" smtClean="0"/>
+              <a:t>Form</a:t>
+            </a:r>
+            <a:r>
+              <a:rPr lang="zh-CN" altLang="en-US" dirty="0" smtClean="0"/>
+              <a:t>数据</a:t>
+            </a:r>
+            <a:endParaRPr lang="en-US" altLang="zh-CN" dirty="0" smtClean="0"/>
+          </a:p>
+          <a:p>
+            <a:pPr lvl="1"/>
+            <a:r>
+              <a:rPr lang="en-US" altLang="zh-CN" dirty="0" smtClean="0"/>
+              <a:t>Header</a:t>
+            </a:r>
+            <a:r>
+              <a:rPr lang="zh-CN" altLang="en-US" dirty="0" smtClean="0"/>
+              <a:t>中的数据</a:t>
+            </a:r>
+            <a:endParaRPr lang="en-US" altLang="zh-CN" dirty="0" smtClean="0"/>
+          </a:p>
+          <a:p>
+            <a:r>
+              <a:rPr lang="zh-CN" altLang="en-US" dirty="0" smtClean="0"/>
+              <a:t>生成结果响应</a:t>
+            </a:r>
+            <a:endParaRPr lang="en-US" altLang="zh-CN" dirty="0" smtClean="0"/>
+          </a:p>
+          <a:p>
+            <a:pPr lvl="1"/>
+            <a:r>
+              <a:rPr lang="zh-CN" altLang="en-US" dirty="0" smtClean="0"/>
+              <a:t>各种类型的数据 </a:t>
+            </a:r>
+            <a:endParaRPr lang="en-US" altLang="zh-CN" dirty="0"/>
+          </a:p>
+          <a:p>
+            <a:pPr lvl="1"/>
+            <a:r>
+              <a:rPr lang="zh-CN" altLang="en-US" dirty="0" smtClean="0"/>
+              <a:t>设置响应状态码</a:t>
+            </a:r>
+            <a:endParaRPr lang="en-US" altLang="zh-CN" dirty="0" smtClean="0"/>
+          </a:p>
+          <a:p>
+            <a:pPr lvl="1"/>
+            <a:r>
+              <a:rPr lang="zh-CN" altLang="en-US" dirty="0" smtClean="0"/>
+              <a:t>设置响应</a:t>
+            </a:r>
+            <a:r>
+              <a:rPr lang="en-US" altLang="zh-CN" dirty="0" smtClean="0"/>
+              <a:t>Header</a:t>
+            </a:r>
+            <a:r>
+              <a:rPr lang="zh-CN" altLang="en-US" dirty="0" smtClean="0"/>
+              <a:t>数据</a:t>
+            </a:r>
+            <a:endParaRPr lang="zh-CN" altLang="en-US" dirty="0"/>
           </a:p>
         </p:txBody>
       </p:sp>
@@ -39826,6 +40732,13 @@
   <p:clrMapOvr>
     <a:masterClrMapping/>
   </p:clrMapOvr>
+  <p:timing>
+    <p:tnLst>
+      <p:par>
+        <p:cTn id="1" dur="indefinite" restart="never" nodeType="tmRoot"/>
+      </p:par>
+    </p:tnLst>
+  </p:timing>
 </p:sld>
 </file>
 
@@ -39846,10 +40759,1361 @@
           <a:chExt cx="0" cy="0"/>
         </a:xfrm>
       </p:grpSpPr>
+      <p:sp>
+        <p:nvSpPr>
+          <p:cNvPr id="3" name="标题 2"/>
+          <p:cNvSpPr>
+            <a:spLocks noGrp="1"/>
+          </p:cNvSpPr>
+          <p:nvPr>
+            <p:ph type="title"/>
+          </p:nvPr>
+        </p:nvSpPr>
+        <p:spPr>
+          <a:xfrm>
+            <a:off x="34925" y="188913"/>
+            <a:ext cx="8229600" cy="571500"/>
+          </a:xfrm>
+        </p:spPr>
+        <p:txBody>
+          <a:bodyPr>
+            <a:normAutofit fontScale="90000"/>
+          </a:bodyPr>
+          <a:lstStyle/>
+          <a:p>
+            <a:pPr eaLnBrk="1" hangingPunct="1">
+              <a:defRPr/>
+            </a:pPr>
+            <a:r>
+              <a:rPr lang="en-US" altLang="zh-CN" dirty="0" err="1" smtClean="0"/>
+              <a:t>Servlet</a:t>
+            </a:r>
+            <a:endParaRPr lang="zh-CN" altLang="en-US" dirty="0"/>
+          </a:p>
+        </p:txBody>
+      </p:sp>
+      <p:sp>
+        <p:nvSpPr>
+          <p:cNvPr id="19459" name="内容占位符 6"/>
+          <p:cNvSpPr>
+            <a:spLocks noGrp="1"/>
+          </p:cNvSpPr>
+          <p:nvPr>
+            <p:ph idx="1"/>
+          </p:nvPr>
+        </p:nvSpPr>
+        <p:spPr>
+          <a:xfrm>
+            <a:off x="457200" y="914400"/>
+            <a:ext cx="8429625" cy="4525963"/>
+          </a:xfrm>
+        </p:spPr>
+        <p:txBody>
+          <a:bodyPr/>
+          <a:lstStyle/>
+          <a:p>
+            <a:pPr eaLnBrk="1" hangingPunct="1"/>
+            <a:r>
+              <a:rPr lang="zh-CN" altLang="en-US" smtClean="0"/>
+              <a:t>生命期方法</a:t>
+            </a:r>
+            <a:endParaRPr lang="en-US" altLang="zh-CN" smtClean="0"/>
+          </a:p>
+          <a:p>
+            <a:pPr lvl="1" eaLnBrk="1" hangingPunct="1"/>
+            <a:r>
+              <a:rPr lang="en-US" altLang="zh-CN" smtClean="0"/>
+              <a:t>init()</a:t>
+            </a:r>
+          </a:p>
+          <a:p>
+            <a:pPr lvl="1" eaLnBrk="1" hangingPunct="1"/>
+            <a:r>
+              <a:rPr lang="en-US" altLang="zh-CN" smtClean="0"/>
+              <a:t>service()</a:t>
+            </a:r>
+          </a:p>
+          <a:p>
+            <a:pPr lvl="1" eaLnBrk="1" hangingPunct="1"/>
+            <a:r>
+              <a:rPr lang="en-US" altLang="zh-CN" smtClean="0"/>
+              <a:t>destroy()</a:t>
+            </a:r>
+          </a:p>
+        </p:txBody>
+      </p:sp>
+      <p:pic>
+        <p:nvPicPr>
+          <p:cNvPr id="19460" name="Picture 2"/>
+          <p:cNvPicPr>
+            <a:picLocks noChangeAspect="1" noChangeArrowheads="1"/>
+          </p:cNvPicPr>
+          <p:nvPr/>
+        </p:nvPicPr>
+        <p:blipFill>
+          <a:blip r:embed="rId2">
+            <a:extLst>
+              <a:ext uri="{28A0092B-C50C-407E-A947-70E740481C1C}">
+                <a14:useLocalDpi xmlns:a14="http://schemas.microsoft.com/office/drawing/2010/main" val="0"/>
+              </a:ext>
+            </a:extLst>
+          </a:blip>
+          <a:srcRect/>
+          <a:stretch>
+            <a:fillRect/>
+          </a:stretch>
+        </p:blipFill>
+        <p:spPr bwMode="auto">
+          <a:xfrm>
+            <a:off x="4495800" y="1143000"/>
+            <a:ext cx="3657600" cy="4572000"/>
+          </a:xfrm>
+          <a:prstGeom prst="rect">
+            <a:avLst/>
+          </a:prstGeom>
+          <a:noFill/>
+          <a:ln>
+            <a:noFill/>
+          </a:ln>
+          <a:extLst>
+            <a:ext uri="{909E8E84-426E-40DD-AFC4-6F175D3DCCD1}">
+              <a14:hiddenFill xmlns:a14="http://schemas.microsoft.com/office/drawing/2010/main">
+                <a:solidFill>
+                  <a:srgbClr val="FFFFFF"/>
+                </a:solidFill>
+              </a14:hiddenFill>
+            </a:ext>
+            <a:ext uri="{91240B29-F687-4F45-9708-019B960494DF}">
+              <a14:hiddenLine xmlns:a14="http://schemas.microsoft.com/office/drawing/2010/main" w="9525" algn="ctr">
+                <a:solidFill>
+                  <a:srgbClr val="000000"/>
+                </a:solidFill>
+                <a:miter lim="800000"/>
+                <a:headEnd/>
+                <a:tailEnd/>
+              </a14:hiddenLine>
+            </a:ext>
+          </a:extLst>
+        </p:spPr>
+      </p:pic>
+      <p:pic>
+        <p:nvPicPr>
+          <p:cNvPr id="19461" name="Picture 5"/>
+          <p:cNvPicPr>
+            <a:picLocks noChangeAspect="1" noChangeArrowheads="1"/>
+          </p:cNvPicPr>
+          <p:nvPr/>
+        </p:nvPicPr>
+        <p:blipFill>
+          <a:blip r:embed="rId3">
+            <a:extLst>
+              <a:ext uri="{28A0092B-C50C-407E-A947-70E740481C1C}">
+                <a14:useLocalDpi xmlns:a14="http://schemas.microsoft.com/office/drawing/2010/main" val="0"/>
+              </a:ext>
+            </a:extLst>
+          </a:blip>
+          <a:srcRect/>
+          <a:stretch>
+            <a:fillRect/>
+          </a:stretch>
+        </p:blipFill>
+        <p:spPr bwMode="auto">
+          <a:xfrm>
+            <a:off x="457200" y="3352800"/>
+            <a:ext cx="3797300" cy="1905000"/>
+          </a:xfrm>
+          <a:prstGeom prst="rect">
+            <a:avLst/>
+          </a:prstGeom>
+          <a:noFill/>
+          <a:ln>
+            <a:noFill/>
+          </a:ln>
+          <a:extLst>
+            <a:ext uri="{909E8E84-426E-40DD-AFC4-6F175D3DCCD1}">
+              <a14:hiddenFill xmlns:a14="http://schemas.microsoft.com/office/drawing/2010/main">
+                <a:solidFill>
+                  <a:srgbClr val="FFFFFF"/>
+                </a:solidFill>
+              </a14:hiddenFill>
+            </a:ext>
+            <a:ext uri="{91240B29-F687-4F45-9708-019B960494DF}">
+              <a14:hiddenLine xmlns:a14="http://schemas.microsoft.com/office/drawing/2010/main" w="9525" algn="ctr">
+                <a:solidFill>
+                  <a:srgbClr val="000000"/>
+                </a:solidFill>
+                <a:miter lim="800000"/>
+                <a:headEnd/>
+                <a:tailEnd/>
+              </a14:hiddenLine>
+            </a:ext>
+          </a:extLst>
+        </p:spPr>
+      </p:pic>
     </p:spTree>
     <p:extLst>
       <p:ext uri="{BB962C8B-B14F-4D97-AF65-F5344CB8AC3E}">
-        <p14:creationId xmlns:p14="http://schemas.microsoft.com/office/powerpoint/2010/main" val="3418871224"/>
+        <p14:creationId xmlns:p14="http://schemas.microsoft.com/office/powerpoint/2010/main" val="3670520300"/>
+      </p:ext>
+    </p:extLst>
+  </p:cSld>
+  <p:clrMapOvr>
+    <a:masterClrMapping/>
+  </p:clrMapOvr>
+  <p:timing>
+    <p:tnLst>
+      <p:par>
+        <p:cTn id="1" dur="indefinite" restart="never" nodeType="tmRoot"/>
+      </p:par>
+    </p:tnLst>
+  </p:timing>
+</p:sld>
+</file>
+
+<file path=ppt/slides/slide4.xml><?xml version="1.0" encoding="utf-8"?>
+<p:sld xmlns:a="http://schemas.openxmlformats.org/drawingml/2006/main" xmlns:r="http://schemas.openxmlformats.org/officeDocument/2006/relationships" xmlns:p="http://schemas.openxmlformats.org/presentationml/2006/main">
+  <p:cSld>
+    <p:spTree>
+      <p:nvGrpSpPr>
+        <p:cNvPr id="1" name=""/>
+        <p:cNvGrpSpPr/>
+        <p:nvPr/>
+      </p:nvGrpSpPr>
+      <p:grpSpPr>
+        <a:xfrm>
+          <a:off x="0" y="0"/>
+          <a:ext cx="0" cy="0"/>
+          <a:chOff x="0" y="0"/>
+          <a:chExt cx="0" cy="0"/>
+        </a:xfrm>
+      </p:grpSpPr>
+      <p:sp>
+        <p:nvSpPr>
+          <p:cNvPr id="20482" name="内容占位符 1"/>
+          <p:cNvSpPr>
+            <a:spLocks noGrp="1"/>
+          </p:cNvSpPr>
+          <p:nvPr>
+            <p:ph idx="1"/>
+          </p:nvPr>
+        </p:nvSpPr>
+        <p:spPr>
+          <a:xfrm>
+            <a:off x="428625" y="1143000"/>
+            <a:ext cx="8429625" cy="4525963"/>
+          </a:xfrm>
+        </p:spPr>
+        <p:txBody>
+          <a:bodyPr/>
+          <a:lstStyle/>
+          <a:p>
+            <a:pPr eaLnBrk="1" hangingPunct="1"/>
+            <a:r>
+              <a:rPr lang="en-US" altLang="zh-CN" sz="2800" smtClean="0"/>
+              <a:t>doXXX()</a:t>
+            </a:r>
+            <a:r>
+              <a:rPr lang="zh-CN" altLang="en-US" sz="2800" smtClean="0"/>
+              <a:t>缺省时返回</a:t>
+            </a:r>
+            <a:endParaRPr lang="en-US" altLang="zh-CN" sz="2800" smtClean="0"/>
+          </a:p>
+          <a:p>
+            <a:pPr eaLnBrk="1" hangingPunct="1">
+              <a:buFont typeface="微软雅黑" pitchFamily="34" charset="-122"/>
+              <a:buNone/>
+            </a:pPr>
+            <a:r>
+              <a:rPr lang="en-US" altLang="zh-CN" sz="2400" smtClean="0"/>
+              <a:t>           405 Method Not Allowed</a:t>
+            </a:r>
+            <a:endParaRPr lang="zh-CN" altLang="en-US" sz="2400" smtClean="0"/>
+          </a:p>
+        </p:txBody>
+      </p:sp>
+      <p:sp>
+        <p:nvSpPr>
+          <p:cNvPr id="3" name="标题 2"/>
+          <p:cNvSpPr>
+            <a:spLocks noGrp="1"/>
+          </p:cNvSpPr>
+          <p:nvPr>
+            <p:ph type="title"/>
+          </p:nvPr>
+        </p:nvSpPr>
+        <p:spPr>
+          <a:xfrm>
+            <a:off x="34925" y="188913"/>
+            <a:ext cx="8229600" cy="571500"/>
+          </a:xfrm>
+        </p:spPr>
+        <p:txBody>
+          <a:bodyPr>
+            <a:normAutofit fontScale="90000"/>
+          </a:bodyPr>
+          <a:lstStyle/>
+          <a:p>
+            <a:pPr eaLnBrk="1" hangingPunct="1">
+              <a:defRPr/>
+            </a:pPr>
+            <a:r>
+              <a:rPr lang="en-US" altLang="zh-CN" dirty="0" err="1" smtClean="0"/>
+              <a:t>HttpServlet</a:t>
+            </a:r>
+            <a:endParaRPr lang="zh-CN" altLang="en-US" dirty="0"/>
+          </a:p>
+        </p:txBody>
+      </p:sp>
+      <p:pic>
+        <p:nvPicPr>
+          <p:cNvPr id="20484" name="Picture 2"/>
+          <p:cNvPicPr>
+            <a:picLocks noChangeAspect="1" noChangeArrowheads="1"/>
+          </p:cNvPicPr>
+          <p:nvPr/>
+        </p:nvPicPr>
+        <p:blipFill>
+          <a:blip r:embed="rId2">
+            <a:extLst>
+              <a:ext uri="{28A0092B-C50C-407E-A947-70E740481C1C}">
+                <a14:useLocalDpi xmlns:a14="http://schemas.microsoft.com/office/drawing/2010/main" val="0"/>
+              </a:ext>
+            </a:extLst>
+          </a:blip>
+          <a:srcRect/>
+          <a:stretch>
+            <a:fillRect/>
+          </a:stretch>
+        </p:blipFill>
+        <p:spPr bwMode="auto">
+          <a:xfrm>
+            <a:off x="1844675" y="2133600"/>
+            <a:ext cx="7070725" cy="3736975"/>
+          </a:xfrm>
+          <a:prstGeom prst="rect">
+            <a:avLst/>
+          </a:prstGeom>
+          <a:noFill/>
+          <a:ln>
+            <a:noFill/>
+          </a:ln>
+          <a:extLst>
+            <a:ext uri="{909E8E84-426E-40DD-AFC4-6F175D3DCCD1}">
+              <a14:hiddenFill xmlns:a14="http://schemas.microsoft.com/office/drawing/2010/main">
+                <a:solidFill>
+                  <a:srgbClr val="FFFFFF"/>
+                </a:solidFill>
+              </a14:hiddenFill>
+            </a:ext>
+            <a:ext uri="{91240B29-F687-4F45-9708-019B960494DF}">
+              <a14:hiddenLine xmlns:a14="http://schemas.microsoft.com/office/drawing/2010/main" w="9525" algn="ctr">
+                <a:solidFill>
+                  <a:srgbClr val="000000"/>
+                </a:solidFill>
+                <a:miter lim="800000"/>
+                <a:headEnd/>
+                <a:tailEnd/>
+              </a14:hiddenLine>
+            </a:ext>
+          </a:extLst>
+        </p:spPr>
+      </p:pic>
+    </p:spTree>
+    <p:extLst>
+      <p:ext uri="{BB962C8B-B14F-4D97-AF65-F5344CB8AC3E}">
+        <p14:creationId xmlns:p14="http://schemas.microsoft.com/office/powerpoint/2010/main" val="1601970677"/>
+      </p:ext>
+    </p:extLst>
+  </p:cSld>
+  <p:clrMapOvr>
+    <a:masterClrMapping/>
+  </p:clrMapOvr>
+  <p:timing>
+    <p:tnLst>
+      <p:par>
+        <p:cTn id="1" dur="indefinite" restart="never" nodeType="tmRoot"/>
+      </p:par>
+    </p:tnLst>
+  </p:timing>
+</p:sld>
+</file>
+
+<file path=ppt/slides/slide5.xml><?xml version="1.0" encoding="utf-8"?>
+<p:sld xmlns:a="http://schemas.openxmlformats.org/drawingml/2006/main" xmlns:r="http://schemas.openxmlformats.org/officeDocument/2006/relationships" xmlns:p="http://schemas.openxmlformats.org/presentationml/2006/main">
+  <p:cSld>
+    <p:spTree>
+      <p:nvGrpSpPr>
+        <p:cNvPr id="1" name=""/>
+        <p:cNvGrpSpPr/>
+        <p:nvPr/>
+      </p:nvGrpSpPr>
+      <p:grpSpPr>
+        <a:xfrm>
+          <a:off x="0" y="0"/>
+          <a:ext cx="0" cy="0"/>
+          <a:chOff x="0" y="0"/>
+          <a:chExt cx="0" cy="0"/>
+        </a:xfrm>
+      </p:grpSpPr>
+      <p:sp>
+        <p:nvSpPr>
+          <p:cNvPr id="21506" name="内容占位符 1"/>
+          <p:cNvSpPr>
+            <a:spLocks noGrp="1"/>
+          </p:cNvSpPr>
+          <p:nvPr>
+            <p:ph idx="1"/>
+          </p:nvPr>
+        </p:nvSpPr>
+        <p:spPr>
+          <a:xfrm>
+            <a:off x="428625" y="1143000"/>
+            <a:ext cx="8429625" cy="4525963"/>
+          </a:xfrm>
+        </p:spPr>
+        <p:txBody>
+          <a:bodyPr/>
+          <a:lstStyle/>
+          <a:p>
+            <a:pPr eaLnBrk="1" hangingPunct="1"/>
+            <a:r>
+              <a:rPr lang="en-US" altLang="zh-CN" sz="2400" smtClean="0"/>
+              <a:t>Request</a:t>
+            </a:r>
+          </a:p>
+          <a:p>
+            <a:pPr lvl="1" eaLnBrk="1" hangingPunct="1"/>
+            <a:r>
+              <a:rPr lang="en-US" altLang="zh-CN" sz="2000" smtClean="0"/>
+              <a:t>getInputStream()</a:t>
+            </a:r>
+          </a:p>
+          <a:p>
+            <a:pPr lvl="1" eaLnBrk="1" hangingPunct="1"/>
+            <a:r>
+              <a:rPr lang="en-US" altLang="zh-CN" sz="2000" smtClean="0"/>
+              <a:t>getQueryString()</a:t>
+            </a:r>
+          </a:p>
+          <a:p>
+            <a:pPr lvl="1" eaLnBrk="1" hangingPunct="1"/>
+            <a:r>
+              <a:rPr lang="en-US" altLang="zh-CN" sz="2000" smtClean="0"/>
+              <a:t>getHeader()</a:t>
+            </a:r>
+          </a:p>
+          <a:p>
+            <a:pPr lvl="1" eaLnBrk="1" hangingPunct="1"/>
+            <a:r>
+              <a:rPr lang="en-US" altLang="zh-CN" sz="2000" smtClean="0"/>
+              <a:t>getRequestURI()</a:t>
+            </a:r>
+          </a:p>
+          <a:p>
+            <a:pPr eaLnBrk="1" hangingPunct="1"/>
+            <a:r>
+              <a:rPr lang="en-US" altLang="zh-CN" sz="2400" smtClean="0"/>
+              <a:t>Response</a:t>
+            </a:r>
+          </a:p>
+          <a:p>
+            <a:pPr lvl="1" eaLnBrk="1" hangingPunct="1"/>
+            <a:r>
+              <a:rPr lang="en-US" altLang="zh-CN" sz="2000" smtClean="0"/>
+              <a:t>add/setHeader()</a:t>
+            </a:r>
+          </a:p>
+          <a:p>
+            <a:pPr lvl="1" eaLnBrk="1" hangingPunct="1"/>
+            <a:r>
+              <a:rPr lang="en-US" altLang="zh-CN" sz="2000" smtClean="0"/>
+              <a:t>setStatue()</a:t>
+            </a:r>
+          </a:p>
+          <a:p>
+            <a:pPr lvl="1" eaLnBrk="1" hangingPunct="1"/>
+            <a:r>
+              <a:rPr lang="en-US" altLang="zh-CN" sz="2000" smtClean="0"/>
+              <a:t>setCharacterEncoding()</a:t>
+            </a:r>
+          </a:p>
+          <a:p>
+            <a:pPr lvl="1" eaLnBrk="1" hangingPunct="1"/>
+            <a:r>
+              <a:rPr lang="en-US" altLang="zh-CN" sz="2000" smtClean="0"/>
+              <a:t>setContentType()</a:t>
+            </a:r>
+          </a:p>
+          <a:p>
+            <a:pPr lvl="1" eaLnBrk="1" hangingPunct="1"/>
+            <a:r>
+              <a:rPr lang="en-US" altLang="zh-CN" sz="2000" smtClean="0"/>
+              <a:t>setContentLength()</a:t>
+            </a:r>
+          </a:p>
+          <a:p>
+            <a:pPr lvl="1" eaLnBrk="1" hangingPunct="1"/>
+            <a:endParaRPr lang="en-US" altLang="zh-CN" sz="2000" smtClean="0"/>
+          </a:p>
+          <a:p>
+            <a:pPr lvl="1" eaLnBrk="1" hangingPunct="1"/>
+            <a:endParaRPr lang="zh-CN" altLang="en-US" sz="2000" smtClean="0"/>
+          </a:p>
+        </p:txBody>
+      </p:sp>
+      <p:sp>
+        <p:nvSpPr>
+          <p:cNvPr id="3" name="标题 2"/>
+          <p:cNvSpPr>
+            <a:spLocks noGrp="1"/>
+          </p:cNvSpPr>
+          <p:nvPr>
+            <p:ph type="title"/>
+          </p:nvPr>
+        </p:nvSpPr>
+        <p:spPr>
+          <a:xfrm>
+            <a:off x="34925" y="188913"/>
+            <a:ext cx="8229600" cy="571500"/>
+          </a:xfrm>
+        </p:spPr>
+        <p:txBody>
+          <a:bodyPr>
+            <a:normAutofit fontScale="90000"/>
+          </a:bodyPr>
+          <a:lstStyle/>
+          <a:p>
+            <a:pPr eaLnBrk="1" hangingPunct="1">
+              <a:defRPr/>
+            </a:pPr>
+            <a:r>
+              <a:rPr lang="en-US" altLang="zh-CN" dirty="0" err="1" smtClean="0"/>
+              <a:t>HttpServletRequest</a:t>
+            </a:r>
+            <a:r>
+              <a:rPr lang="en-US" altLang="zh-CN" dirty="0" smtClean="0"/>
+              <a:t>/Response</a:t>
+            </a:r>
+            <a:endParaRPr lang="zh-CN" altLang="en-US" dirty="0"/>
+          </a:p>
+        </p:txBody>
+      </p:sp>
+      <p:pic>
+        <p:nvPicPr>
+          <p:cNvPr id="21508" name="Picture 3"/>
+          <p:cNvPicPr>
+            <a:picLocks noChangeAspect="1" noChangeArrowheads="1"/>
+          </p:cNvPicPr>
+          <p:nvPr/>
+        </p:nvPicPr>
+        <p:blipFill>
+          <a:blip r:embed="rId2">
+            <a:extLst>
+              <a:ext uri="{28A0092B-C50C-407E-A947-70E740481C1C}">
+                <a14:useLocalDpi xmlns:a14="http://schemas.microsoft.com/office/drawing/2010/main" val="0"/>
+              </a:ext>
+            </a:extLst>
+          </a:blip>
+          <a:srcRect/>
+          <a:stretch>
+            <a:fillRect/>
+          </a:stretch>
+        </p:blipFill>
+        <p:spPr bwMode="auto">
+          <a:xfrm>
+            <a:off x="4495800" y="990600"/>
+            <a:ext cx="2295525" cy="4914900"/>
+          </a:xfrm>
+          <a:prstGeom prst="rect">
+            <a:avLst/>
+          </a:prstGeom>
+          <a:noFill/>
+          <a:ln>
+            <a:noFill/>
+          </a:ln>
+          <a:extLst>
+            <a:ext uri="{909E8E84-426E-40DD-AFC4-6F175D3DCCD1}">
+              <a14:hiddenFill xmlns:a14="http://schemas.microsoft.com/office/drawing/2010/main">
+                <a:solidFill>
+                  <a:srgbClr val="FFFFFF"/>
+                </a:solidFill>
+              </a14:hiddenFill>
+            </a:ext>
+            <a:ext uri="{91240B29-F687-4F45-9708-019B960494DF}">
+              <a14:hiddenLine xmlns:a14="http://schemas.microsoft.com/office/drawing/2010/main" w="9525" algn="ctr">
+                <a:solidFill>
+                  <a:srgbClr val="000000"/>
+                </a:solidFill>
+                <a:miter lim="800000"/>
+                <a:headEnd/>
+                <a:tailEnd/>
+              </a14:hiddenLine>
+            </a:ext>
+          </a:extLst>
+        </p:spPr>
+      </p:pic>
+      <p:pic>
+        <p:nvPicPr>
+          <p:cNvPr id="21509" name="Picture 4"/>
+          <p:cNvPicPr>
+            <a:picLocks noChangeAspect="1" noChangeArrowheads="1"/>
+          </p:cNvPicPr>
+          <p:nvPr/>
+        </p:nvPicPr>
+        <p:blipFill>
+          <a:blip r:embed="rId3">
+            <a:extLst>
+              <a:ext uri="{28A0092B-C50C-407E-A947-70E740481C1C}">
+                <a14:useLocalDpi xmlns:a14="http://schemas.microsoft.com/office/drawing/2010/main" val="0"/>
+              </a:ext>
+            </a:extLst>
+          </a:blip>
+          <a:srcRect/>
+          <a:stretch>
+            <a:fillRect/>
+          </a:stretch>
+        </p:blipFill>
+        <p:spPr bwMode="auto">
+          <a:xfrm>
+            <a:off x="6858000" y="1066800"/>
+            <a:ext cx="1990725" cy="4733925"/>
+          </a:xfrm>
+          <a:prstGeom prst="rect">
+            <a:avLst/>
+          </a:prstGeom>
+          <a:noFill/>
+          <a:ln>
+            <a:noFill/>
+          </a:ln>
+          <a:extLst>
+            <a:ext uri="{909E8E84-426E-40DD-AFC4-6F175D3DCCD1}">
+              <a14:hiddenFill xmlns:a14="http://schemas.microsoft.com/office/drawing/2010/main">
+                <a:solidFill>
+                  <a:srgbClr val="FFFFFF"/>
+                </a:solidFill>
+              </a14:hiddenFill>
+            </a:ext>
+            <a:ext uri="{91240B29-F687-4F45-9708-019B960494DF}">
+              <a14:hiddenLine xmlns:a14="http://schemas.microsoft.com/office/drawing/2010/main" w="9525" algn="ctr">
+                <a:solidFill>
+                  <a:srgbClr val="000000"/>
+                </a:solidFill>
+                <a:miter lim="800000"/>
+                <a:headEnd/>
+                <a:tailEnd/>
+              </a14:hiddenLine>
+            </a:ext>
+          </a:extLst>
+        </p:spPr>
+      </p:pic>
+    </p:spTree>
+    <p:extLst>
+      <p:ext uri="{BB962C8B-B14F-4D97-AF65-F5344CB8AC3E}">
+        <p14:creationId xmlns:p14="http://schemas.microsoft.com/office/powerpoint/2010/main" val="2983272887"/>
+      </p:ext>
+    </p:extLst>
+  </p:cSld>
+  <p:clrMapOvr>
+    <a:masterClrMapping/>
+  </p:clrMapOvr>
+  <p:timing>
+    <p:tnLst>
+      <p:par>
+        <p:cTn id="1" dur="indefinite" restart="never" nodeType="tmRoot"/>
+      </p:par>
+    </p:tnLst>
+  </p:timing>
+</p:sld>
+</file>
+
+<file path=ppt/slides/slide6.xml><?xml version="1.0" encoding="utf-8"?>
+<p:sld xmlns:a="http://schemas.openxmlformats.org/drawingml/2006/main" xmlns:r="http://schemas.openxmlformats.org/officeDocument/2006/relationships" xmlns:p="http://schemas.openxmlformats.org/presentationml/2006/main">
+  <p:cSld>
+    <p:spTree>
+      <p:nvGrpSpPr>
+        <p:cNvPr id="1" name=""/>
+        <p:cNvGrpSpPr/>
+        <p:nvPr/>
+      </p:nvGrpSpPr>
+      <p:grpSpPr>
+        <a:xfrm>
+          <a:off x="0" y="0"/>
+          <a:ext cx="0" cy="0"/>
+          <a:chOff x="0" y="0"/>
+          <a:chExt cx="0" cy="0"/>
+        </a:xfrm>
+      </p:grpSpPr>
+      <p:sp>
+        <p:nvSpPr>
+          <p:cNvPr id="22530" name="内容占位符 1"/>
+          <p:cNvSpPr>
+            <a:spLocks noGrp="1"/>
+          </p:cNvSpPr>
+          <p:nvPr>
+            <p:ph idx="1"/>
+          </p:nvPr>
+        </p:nvSpPr>
+        <p:spPr>
+          <a:xfrm>
+            <a:off x="428625" y="1143000"/>
+            <a:ext cx="8429625" cy="4525963"/>
+          </a:xfrm>
+        </p:spPr>
+        <p:txBody>
+          <a:bodyPr/>
+          <a:lstStyle/>
+          <a:p>
+            <a:r>
+              <a:rPr lang="en-US" altLang="zh-CN" dirty="0"/>
+              <a:t>@</a:t>
+            </a:r>
+            <a:r>
+              <a:rPr lang="en-US" altLang="zh-CN" dirty="0" err="1"/>
+              <a:t>WebServlet</a:t>
+            </a:r>
+            <a:r>
+              <a:rPr lang="en-US" altLang="zh-CN" dirty="0"/>
+              <a:t>("/simple")</a:t>
+            </a:r>
+            <a:endParaRPr lang="en-US" altLang="zh-CN" dirty="0" smtClean="0"/>
+          </a:p>
+          <a:p>
+            <a:r>
+              <a:rPr lang="en-US" altLang="zh-CN" dirty="0"/>
+              <a:t>web.xml</a:t>
+            </a:r>
+            <a:endParaRPr lang="zh-CN" altLang="en-US" dirty="0" smtClean="0"/>
+          </a:p>
+        </p:txBody>
+      </p:sp>
+      <p:sp>
+        <p:nvSpPr>
+          <p:cNvPr id="3" name="标题 2"/>
+          <p:cNvSpPr>
+            <a:spLocks noGrp="1"/>
+          </p:cNvSpPr>
+          <p:nvPr>
+            <p:ph type="title"/>
+          </p:nvPr>
+        </p:nvSpPr>
+        <p:spPr>
+          <a:xfrm>
+            <a:off x="34925" y="188913"/>
+            <a:ext cx="8229600" cy="571500"/>
+          </a:xfrm>
+        </p:spPr>
+        <p:txBody>
+          <a:bodyPr>
+            <a:normAutofit fontScale="90000"/>
+          </a:bodyPr>
+          <a:lstStyle/>
+          <a:p>
+            <a:pPr eaLnBrk="1" hangingPunct="1">
+              <a:defRPr/>
+            </a:pPr>
+            <a:r>
+              <a:rPr lang="en-US" altLang="zh-CN" dirty="0" smtClean="0"/>
+              <a:t>URI</a:t>
+            </a:r>
+            <a:r>
+              <a:rPr lang="zh-CN" altLang="en-US" dirty="0" smtClean="0"/>
+              <a:t>到</a:t>
+            </a:r>
+            <a:r>
+              <a:rPr lang="en-US" altLang="zh-CN" dirty="0" err="1" smtClean="0"/>
+              <a:t>Servlet</a:t>
+            </a:r>
+            <a:r>
+              <a:rPr lang="zh-CN" altLang="en-US" dirty="0" smtClean="0"/>
+              <a:t>的映射 </a:t>
+            </a:r>
+            <a:r>
+              <a:rPr lang="en-US" altLang="zh-CN" dirty="0" smtClean="0"/>
+              <a:t>– web.xml</a:t>
+            </a:r>
+            <a:endParaRPr lang="zh-CN" altLang="en-US" dirty="0"/>
+          </a:p>
+        </p:txBody>
+      </p:sp>
+      <p:pic>
+        <p:nvPicPr>
+          <p:cNvPr id="22532" name="Picture 2"/>
+          <p:cNvPicPr>
+            <a:picLocks noChangeAspect="1" noChangeArrowheads="1"/>
+          </p:cNvPicPr>
+          <p:nvPr/>
+        </p:nvPicPr>
+        <p:blipFill>
+          <a:blip r:embed="rId2">
+            <a:extLst>
+              <a:ext uri="{28A0092B-C50C-407E-A947-70E740481C1C}">
+                <a14:useLocalDpi xmlns:a14="http://schemas.microsoft.com/office/drawing/2010/main" val="0"/>
+              </a:ext>
+            </a:extLst>
+          </a:blip>
+          <a:srcRect/>
+          <a:stretch>
+            <a:fillRect/>
+          </a:stretch>
+        </p:blipFill>
+        <p:spPr bwMode="auto">
+          <a:xfrm>
+            <a:off x="539552" y="2348880"/>
+            <a:ext cx="6480720" cy="4068982"/>
+          </a:xfrm>
+          <a:prstGeom prst="rect">
+            <a:avLst/>
+          </a:prstGeom>
+          <a:noFill/>
+          <a:ln>
+            <a:noFill/>
+          </a:ln>
+          <a:extLst>
+            <a:ext uri="{909E8E84-426E-40DD-AFC4-6F175D3DCCD1}">
+              <a14:hiddenFill xmlns:a14="http://schemas.microsoft.com/office/drawing/2010/main">
+                <a:solidFill>
+                  <a:srgbClr val="FFFFFF"/>
+                </a:solidFill>
+              </a14:hiddenFill>
+            </a:ext>
+            <a:ext uri="{91240B29-F687-4F45-9708-019B960494DF}">
+              <a14:hiddenLine xmlns:a14="http://schemas.microsoft.com/office/drawing/2010/main" w="9525" algn="ctr">
+                <a:solidFill>
+                  <a:srgbClr val="000000"/>
+                </a:solidFill>
+                <a:miter lim="800000"/>
+                <a:headEnd/>
+                <a:tailEnd/>
+              </a14:hiddenLine>
+            </a:ext>
+          </a:extLst>
+        </p:spPr>
+      </p:pic>
+    </p:spTree>
+    <p:extLst>
+      <p:ext uri="{BB962C8B-B14F-4D97-AF65-F5344CB8AC3E}">
+        <p14:creationId xmlns:p14="http://schemas.microsoft.com/office/powerpoint/2010/main" val="2805713001"/>
+      </p:ext>
+    </p:extLst>
+  </p:cSld>
+  <p:clrMapOvr>
+    <a:masterClrMapping/>
+  </p:clrMapOvr>
+  <p:timing>
+    <p:tnLst>
+      <p:par>
+        <p:cTn id="1" dur="indefinite" restart="never" nodeType="tmRoot"/>
+      </p:par>
+    </p:tnLst>
+  </p:timing>
+</p:sld>
+</file>
+
+<file path=ppt/slides/slide7.xml><?xml version="1.0" encoding="utf-8"?>
+<p:sld xmlns:a="http://schemas.openxmlformats.org/drawingml/2006/main" xmlns:r="http://schemas.openxmlformats.org/officeDocument/2006/relationships" xmlns:p="http://schemas.openxmlformats.org/presentationml/2006/main">
+  <p:cSld>
+    <p:spTree>
+      <p:nvGrpSpPr>
+        <p:cNvPr id="1" name=""/>
+        <p:cNvGrpSpPr/>
+        <p:nvPr/>
+      </p:nvGrpSpPr>
+      <p:grpSpPr>
+        <a:xfrm>
+          <a:off x="0" y="0"/>
+          <a:ext cx="0" cy="0"/>
+          <a:chOff x="0" y="0"/>
+          <a:chExt cx="0" cy="0"/>
+        </a:xfrm>
+      </p:grpSpPr>
+      <p:sp>
+        <p:nvSpPr>
+          <p:cNvPr id="23554" name="内容占位符 1"/>
+          <p:cNvSpPr>
+            <a:spLocks noGrp="1"/>
+          </p:cNvSpPr>
+          <p:nvPr>
+            <p:ph idx="1"/>
+          </p:nvPr>
+        </p:nvSpPr>
+        <p:spPr>
+          <a:xfrm>
+            <a:off x="179513" y="1143000"/>
+            <a:ext cx="8678738" cy="4525963"/>
+          </a:xfrm>
+        </p:spPr>
+        <p:txBody>
+          <a:bodyPr/>
+          <a:lstStyle/>
+          <a:p>
+            <a:r>
+              <a:rPr lang="en-US" altLang="zh-CN" dirty="0" err="1" smtClean="0"/>
+              <a:t>myweb.war</a:t>
+            </a:r>
+            <a:endParaRPr lang="en-US" altLang="zh-CN" dirty="0" smtClean="0"/>
+          </a:p>
+          <a:p>
+            <a:r>
+              <a:rPr lang="en-US" altLang="zh-CN" dirty="0" smtClean="0"/>
+              <a:t>http://localhost:8080/myweb/simple/a/b?q=hi&amp;r=john</a:t>
+            </a:r>
+          </a:p>
+          <a:p>
+            <a:pPr lvl="1"/>
+            <a:r>
+              <a:rPr lang="en-US" altLang="zh-CN" dirty="0" err="1" smtClean="0"/>
+              <a:t>myweb</a:t>
+            </a:r>
+            <a:r>
+              <a:rPr lang="en-US" altLang="zh-CN" dirty="0" smtClean="0"/>
+              <a:t>  - web context path</a:t>
+            </a:r>
+          </a:p>
+          <a:p>
+            <a:pPr lvl="1"/>
+            <a:r>
+              <a:rPr lang="en-US" altLang="zh-CN" dirty="0" smtClean="0"/>
+              <a:t>/simple – servlet context path</a:t>
+            </a:r>
+          </a:p>
+          <a:p>
+            <a:pPr lvl="1"/>
+            <a:r>
+              <a:rPr lang="en-US" altLang="zh-CN" dirty="0" smtClean="0"/>
+              <a:t>/a/b – path info</a:t>
+            </a:r>
+          </a:p>
+          <a:p>
+            <a:pPr lvl="1"/>
+            <a:r>
+              <a:rPr lang="en-US" altLang="zh-CN" dirty="0" smtClean="0"/>
+              <a:t>q=</a:t>
+            </a:r>
+            <a:r>
+              <a:rPr lang="en-US" altLang="zh-CN" dirty="0" err="1" smtClean="0"/>
+              <a:t>hi&amp;r</a:t>
+            </a:r>
+            <a:r>
+              <a:rPr lang="en-US" altLang="zh-CN" dirty="0" smtClean="0"/>
+              <a:t>=john – query string</a:t>
+            </a:r>
+            <a:endParaRPr lang="zh-CN" altLang="en-US" dirty="0" smtClean="0"/>
+          </a:p>
+        </p:txBody>
+      </p:sp>
+      <p:sp>
+        <p:nvSpPr>
+          <p:cNvPr id="3" name="标题 2"/>
+          <p:cNvSpPr>
+            <a:spLocks noGrp="1"/>
+          </p:cNvSpPr>
+          <p:nvPr>
+            <p:ph type="title"/>
+          </p:nvPr>
+        </p:nvSpPr>
+        <p:spPr>
+          <a:xfrm>
+            <a:off x="34925" y="188913"/>
+            <a:ext cx="8229600" cy="571500"/>
+          </a:xfrm>
+        </p:spPr>
+        <p:txBody>
+          <a:bodyPr>
+            <a:normAutofit fontScale="90000"/>
+          </a:bodyPr>
+          <a:lstStyle/>
+          <a:p>
+            <a:pPr>
+              <a:defRPr/>
+            </a:pPr>
+            <a:r>
+              <a:rPr lang="en-US" altLang="zh-CN" dirty="0" smtClean="0"/>
+              <a:t>URI</a:t>
+            </a:r>
+            <a:r>
+              <a:rPr lang="zh-CN" altLang="en-US" dirty="0" smtClean="0"/>
+              <a:t>到</a:t>
+            </a:r>
+            <a:r>
+              <a:rPr lang="en-US" altLang="zh-CN" dirty="0" err="1" smtClean="0"/>
+              <a:t>Servlet</a:t>
+            </a:r>
+            <a:r>
+              <a:rPr lang="zh-CN" altLang="en-US" dirty="0" smtClean="0"/>
+              <a:t>的映射 </a:t>
+            </a:r>
+            <a:r>
+              <a:rPr lang="en-US" altLang="zh-CN" dirty="0" smtClean="0"/>
+              <a:t>– web.xml</a:t>
+            </a:r>
+            <a:endParaRPr lang="zh-CN" altLang="en-US" dirty="0"/>
+          </a:p>
+        </p:txBody>
+      </p:sp>
+    </p:spTree>
+    <p:extLst>
+      <p:ext uri="{BB962C8B-B14F-4D97-AF65-F5344CB8AC3E}">
+        <p14:creationId xmlns:p14="http://schemas.microsoft.com/office/powerpoint/2010/main" val="1904344943"/>
+      </p:ext>
+    </p:extLst>
+  </p:cSld>
+  <p:clrMapOvr>
+    <a:masterClrMapping/>
+  </p:clrMapOvr>
+  <p:timing>
+    <p:tnLst>
+      <p:par>
+        <p:cTn id="1" dur="indefinite" restart="never" nodeType="tmRoot"/>
+      </p:par>
+    </p:tnLst>
+  </p:timing>
+</p:sld>
+</file>
+
+<file path=ppt/slides/slide8.xml><?xml version="1.0" encoding="utf-8"?>
+<p:sld xmlns:a="http://schemas.openxmlformats.org/drawingml/2006/main" xmlns:r="http://schemas.openxmlformats.org/officeDocument/2006/relationships" xmlns:p="http://schemas.openxmlformats.org/presentationml/2006/main">
+  <p:cSld>
+    <p:spTree>
+      <p:nvGrpSpPr>
+        <p:cNvPr id="1" name=""/>
+        <p:cNvGrpSpPr/>
+        <p:nvPr/>
+      </p:nvGrpSpPr>
+      <p:grpSpPr>
+        <a:xfrm>
+          <a:off x="0" y="0"/>
+          <a:ext cx="0" cy="0"/>
+          <a:chOff x="0" y="0"/>
+          <a:chExt cx="0" cy="0"/>
+        </a:xfrm>
+      </p:grpSpPr>
+      <p:sp>
+        <p:nvSpPr>
+          <p:cNvPr id="2" name="标题 1"/>
+          <p:cNvSpPr>
+            <a:spLocks noGrp="1"/>
+          </p:cNvSpPr>
+          <p:nvPr>
+            <p:ph type="title"/>
+          </p:nvPr>
+        </p:nvSpPr>
+        <p:spPr/>
+        <p:txBody>
+          <a:bodyPr>
+            <a:normAutofit fontScale="90000"/>
+          </a:bodyPr>
+          <a:lstStyle/>
+          <a:p>
+            <a:r>
+              <a:rPr lang="en-US" altLang="zh-CN" dirty="0" smtClean="0"/>
+              <a:t>Listener - </a:t>
+            </a:r>
+            <a:r>
+              <a:rPr lang="en-US" altLang="zh-CN" dirty="0"/>
+              <a:t>@</a:t>
+            </a:r>
+            <a:r>
+              <a:rPr lang="en-US" altLang="zh-CN" dirty="0" err="1"/>
+              <a:t>WebListener</a:t>
+            </a:r>
+            <a:endParaRPr lang="zh-CN" altLang="en-US" dirty="0"/>
+          </a:p>
+        </p:txBody>
+      </p:sp>
+      <p:sp>
+        <p:nvSpPr>
+          <p:cNvPr id="3" name="内容占位符 2"/>
+          <p:cNvSpPr>
+            <a:spLocks noGrp="1"/>
+          </p:cNvSpPr>
+          <p:nvPr>
+            <p:ph idx="1"/>
+          </p:nvPr>
+        </p:nvSpPr>
+        <p:spPr/>
+        <p:txBody>
+          <a:bodyPr>
+            <a:normAutofit lnSpcReduction="10000"/>
+          </a:bodyPr>
+          <a:lstStyle/>
+          <a:p>
+            <a:r>
+              <a:rPr lang="zh-CN" altLang="en-US" dirty="0"/>
+              <a:t>该注解用于将类声明为监听器，被 </a:t>
+            </a:r>
+            <a:r>
+              <a:rPr lang="en-US" altLang="zh-CN" dirty="0"/>
+              <a:t>@</a:t>
+            </a:r>
+            <a:r>
+              <a:rPr lang="en-US" altLang="zh-CN" dirty="0" err="1"/>
+              <a:t>WebListener</a:t>
+            </a:r>
+            <a:r>
+              <a:rPr lang="en-US" altLang="zh-CN" dirty="0"/>
+              <a:t> </a:t>
+            </a:r>
+            <a:r>
+              <a:rPr lang="zh-CN" altLang="en-US" dirty="0"/>
+              <a:t>标注的类必须实现以下至少一个接口</a:t>
+            </a:r>
+            <a:r>
+              <a:rPr lang="zh-CN" altLang="en-US" dirty="0" smtClean="0"/>
+              <a:t>：</a:t>
+            </a:r>
+            <a:endParaRPr lang="en-US" altLang="zh-CN" dirty="0" smtClean="0"/>
+          </a:p>
+          <a:p>
+            <a:pPr lvl="1"/>
+            <a:r>
+              <a:rPr lang="en-US" altLang="zh-CN" dirty="0" err="1"/>
+              <a:t>ServletContextListener</a:t>
+            </a:r>
+            <a:endParaRPr lang="en-US" altLang="zh-CN" dirty="0"/>
+          </a:p>
+          <a:p>
+            <a:pPr lvl="1"/>
+            <a:r>
+              <a:rPr lang="en-US" altLang="zh-CN" dirty="0" err="1"/>
+              <a:t>ServletContextAttributeListener</a:t>
+            </a:r>
+            <a:endParaRPr lang="en-US" altLang="zh-CN" dirty="0"/>
+          </a:p>
+          <a:p>
+            <a:pPr lvl="1"/>
+            <a:r>
+              <a:rPr lang="en-US" altLang="zh-CN" dirty="0" err="1"/>
+              <a:t>ServletRequestListener</a:t>
+            </a:r>
+            <a:endParaRPr lang="en-US" altLang="zh-CN" dirty="0"/>
+          </a:p>
+          <a:p>
+            <a:pPr lvl="1"/>
+            <a:r>
+              <a:rPr lang="en-US" altLang="zh-CN" dirty="0" err="1"/>
+              <a:t>ServletRequestAttributeListener</a:t>
+            </a:r>
+            <a:endParaRPr lang="en-US" altLang="zh-CN" dirty="0"/>
+          </a:p>
+          <a:p>
+            <a:pPr lvl="1"/>
+            <a:r>
+              <a:rPr lang="en-US" altLang="zh-CN" dirty="0" err="1"/>
+              <a:t>HttpSessionListener</a:t>
+            </a:r>
+            <a:endParaRPr lang="en-US" altLang="zh-CN" dirty="0"/>
+          </a:p>
+          <a:p>
+            <a:pPr lvl="1"/>
+            <a:r>
+              <a:rPr lang="en-US" altLang="zh-CN" dirty="0" err="1"/>
+              <a:t>HttpSessionAttributeListener</a:t>
+            </a:r>
+            <a:endParaRPr lang="zh-CN" altLang="en-US" dirty="0"/>
+          </a:p>
+        </p:txBody>
+      </p:sp>
+    </p:spTree>
+    <p:extLst>
+      <p:ext uri="{BB962C8B-B14F-4D97-AF65-F5344CB8AC3E}">
+        <p14:creationId xmlns:p14="http://schemas.microsoft.com/office/powerpoint/2010/main" val="2899053246"/>
+      </p:ext>
+    </p:extLst>
+  </p:cSld>
+  <p:clrMapOvr>
+    <a:masterClrMapping/>
+  </p:clrMapOvr>
+  <p:timing>
+    <p:tnLst>
+      <p:par>
+        <p:cTn id="1" dur="indefinite" restart="never" nodeType="tmRoot"/>
+      </p:par>
+    </p:tnLst>
+  </p:timing>
+</p:sld>
+</file>
+
+<file path=ppt/slides/slide9.xml><?xml version="1.0" encoding="utf-8"?>
+<p:sld xmlns:a="http://schemas.openxmlformats.org/drawingml/2006/main" xmlns:r="http://schemas.openxmlformats.org/officeDocument/2006/relationships" xmlns:p="http://schemas.openxmlformats.org/presentationml/2006/main">
+  <p:cSld>
+    <p:spTree>
+      <p:nvGrpSpPr>
+        <p:cNvPr id="1" name=""/>
+        <p:cNvGrpSpPr/>
+        <p:nvPr/>
+      </p:nvGrpSpPr>
+      <p:grpSpPr>
+        <a:xfrm>
+          <a:off x="0" y="0"/>
+          <a:ext cx="0" cy="0"/>
+          <a:chOff x="0" y="0"/>
+          <a:chExt cx="0" cy="0"/>
+        </a:xfrm>
+      </p:grpSpPr>
+      <p:sp>
+        <p:nvSpPr>
+          <p:cNvPr id="2" name="标题 1"/>
+          <p:cNvSpPr>
+            <a:spLocks noGrp="1"/>
+          </p:cNvSpPr>
+          <p:nvPr>
+            <p:ph type="title"/>
+          </p:nvPr>
+        </p:nvSpPr>
+        <p:spPr/>
+        <p:txBody>
+          <a:bodyPr>
+            <a:normAutofit fontScale="90000"/>
+          </a:bodyPr>
+          <a:lstStyle/>
+          <a:p>
+            <a:pPr fontAlgn="base"/>
+            <a:r>
+              <a:rPr lang="en-US" altLang="zh-CN" dirty="0">
+                <a:effectLst/>
+              </a:rPr>
+              <a:t>@</a:t>
+            </a:r>
+            <a:r>
+              <a:rPr lang="en-US" altLang="zh-CN" dirty="0" err="1">
+                <a:effectLst/>
+              </a:rPr>
+              <a:t>WebFilter</a:t>
+            </a:r>
+            <a:endParaRPr lang="en-US" altLang="zh-CN" dirty="0">
+              <a:effectLst/>
+            </a:endParaRPr>
+          </a:p>
+        </p:txBody>
+      </p:sp>
+      <p:sp>
+        <p:nvSpPr>
+          <p:cNvPr id="3" name="内容占位符 2"/>
+          <p:cNvSpPr>
+            <a:spLocks noGrp="1"/>
+          </p:cNvSpPr>
+          <p:nvPr>
+            <p:ph idx="1"/>
+          </p:nvPr>
+        </p:nvSpPr>
+        <p:spPr>
+          <a:xfrm>
+            <a:off x="455074" y="908720"/>
+            <a:ext cx="8229600" cy="4525963"/>
+          </a:xfrm>
+        </p:spPr>
+        <p:txBody>
+          <a:bodyPr/>
+          <a:lstStyle/>
+          <a:p>
+            <a:r>
+              <a:rPr lang="en-US" altLang="zh-CN" dirty="0"/>
+              <a:t>@</a:t>
+            </a:r>
+            <a:r>
+              <a:rPr lang="en-US" altLang="zh-CN" dirty="0" err="1"/>
+              <a:t>WebFilter</a:t>
+            </a:r>
+            <a:r>
+              <a:rPr lang="en-US" altLang="zh-CN" dirty="0"/>
+              <a:t> </a:t>
+            </a:r>
+            <a:r>
+              <a:rPr lang="zh-CN" altLang="en-US" dirty="0"/>
+              <a:t>用于将一个类声明为</a:t>
+            </a:r>
+            <a:r>
+              <a:rPr lang="zh-CN" altLang="en-US" dirty="0" smtClean="0"/>
+              <a:t>过滤器</a:t>
+            </a:r>
+            <a:endParaRPr lang="en-US" altLang="zh-CN" dirty="0" smtClean="0"/>
+          </a:p>
+          <a:p>
+            <a:pPr lvl="1"/>
+            <a:r>
+              <a:rPr lang="en-US" altLang="zh-CN" dirty="0" err="1" smtClean="0"/>
+              <a:t>urlPatterns</a:t>
+            </a:r>
+            <a:r>
+              <a:rPr lang="en-US" altLang="zh-CN" dirty="0"/>
+              <a:t>= </a:t>
+            </a:r>
+            <a:r>
+              <a:rPr lang="en-US" altLang="zh-CN" dirty="0" smtClean="0"/>
+              <a:t>{"/*"}</a:t>
+            </a:r>
+            <a:endParaRPr lang="zh-CN" altLang="en-US" dirty="0"/>
+          </a:p>
+        </p:txBody>
+      </p:sp>
+      <p:pic>
+        <p:nvPicPr>
+          <p:cNvPr id="1026" name="Picture 2"/>
+          <p:cNvPicPr>
+            <a:picLocks noChangeAspect="1" noChangeArrowheads="1"/>
+          </p:cNvPicPr>
+          <p:nvPr/>
+        </p:nvPicPr>
+        <p:blipFill>
+          <a:blip r:embed="rId2">
+            <a:extLst>
+              <a:ext uri="{28A0092B-C50C-407E-A947-70E740481C1C}">
+                <a14:useLocalDpi xmlns:a14="http://schemas.microsoft.com/office/drawing/2010/main" val="0"/>
+              </a:ext>
+            </a:extLst>
+          </a:blip>
+          <a:srcRect/>
+          <a:stretch>
+            <a:fillRect/>
+          </a:stretch>
+        </p:blipFill>
+        <p:spPr bwMode="auto">
+          <a:xfrm>
+            <a:off x="3455876" y="2113977"/>
+            <a:ext cx="2088232" cy="4332721"/>
+          </a:xfrm>
+          <a:prstGeom prst="rect">
+            <a:avLst/>
+          </a:prstGeom>
+          <a:noFill/>
+          <a:ln>
+            <a:noFill/>
+          </a:ln>
+          <a:effectLst/>
+          <a:extLst>
+            <a:ext uri="{909E8E84-426E-40DD-AFC4-6F175D3DCCD1}">
+              <a14:hiddenFill xmlns:a14="http://schemas.microsoft.com/office/drawing/2010/main">
+                <a:solidFill>
+                  <a:schemeClr val="accent1"/>
+                </a:solidFill>
+              </a14:hiddenFill>
+            </a:ext>
+            <a:ext uri="{91240B29-F687-4F45-9708-019B960494DF}">
+              <a14:hiddenLine xmlns:a14="http://schemas.microsoft.com/office/drawing/2010/main" w="9525">
+                <a:solidFill>
+                  <a:schemeClr val="tx1"/>
+                </a:solidFill>
+                <a:miter lim="800000"/>
+                <a:headEnd/>
+                <a:tailEnd/>
+              </a14:hiddenLine>
+            </a:ext>
+            <a:ext uri="{AF507438-7753-43E0-B8FC-AC1667EBCBE1}">
+              <a14:hiddenEffects xmlns:a14="http://schemas.microsoft.com/office/drawing/2010/main">
+                <a:effectLst>
+                  <a:outerShdw dist="35921" dir="2700000" algn="ctr" rotWithShape="0">
+                    <a:schemeClr val="bg2"/>
+                  </a:outerShdw>
+                </a:effectLst>
+              </a14:hiddenEffects>
+            </a:ext>
+          </a:extLst>
+        </p:spPr>
+      </p:pic>
+    </p:spTree>
+    <p:extLst>
+      <p:ext uri="{BB962C8B-B14F-4D97-AF65-F5344CB8AC3E}">
+        <p14:creationId xmlns:p14="http://schemas.microsoft.com/office/powerpoint/2010/main" val="1899611556"/>
       </p:ext>
     </p:extLst>
   </p:cSld>

--- a/spring/docs/02-servlet-basic.pptx
+++ b/spring/docs/02-servlet-basic.pptx
@@ -6,7 +6,7 @@
     <p:sldMasterId id="2147483660" r:id="rId2"/>
   </p:sldMasterIdLst>
   <p:notesMasterIdLst>
-    <p:notesMasterId r:id="rId18"/>
+    <p:notesMasterId r:id="rId25"/>
   </p:notesMasterIdLst>
   <p:sldIdLst>
     <p:sldId id="256" r:id="rId3"/>
@@ -16,14 +16,21 @@
     <p:sldId id="265" r:id="rId7"/>
     <p:sldId id="266" r:id="rId8"/>
     <p:sldId id="267" r:id="rId9"/>
-    <p:sldId id="285" r:id="rId10"/>
-    <p:sldId id="284" r:id="rId11"/>
-    <p:sldId id="286" r:id="rId12"/>
-    <p:sldId id="268" r:id="rId13"/>
-    <p:sldId id="272" r:id="rId14"/>
-    <p:sldId id="269" r:id="rId15"/>
-    <p:sldId id="270" r:id="rId16"/>
-    <p:sldId id="261" r:id="rId17"/>
+    <p:sldId id="287" r:id="rId10"/>
+    <p:sldId id="288" r:id="rId11"/>
+    <p:sldId id="289" r:id="rId12"/>
+    <p:sldId id="290" r:id="rId13"/>
+    <p:sldId id="291" r:id="rId14"/>
+    <p:sldId id="292" r:id="rId15"/>
+    <p:sldId id="293" r:id="rId16"/>
+    <p:sldId id="285" r:id="rId17"/>
+    <p:sldId id="284" r:id="rId18"/>
+    <p:sldId id="286" r:id="rId19"/>
+    <p:sldId id="268" r:id="rId20"/>
+    <p:sldId id="272" r:id="rId21"/>
+    <p:sldId id="269" r:id="rId22"/>
+    <p:sldId id="270" r:id="rId23"/>
+    <p:sldId id="261" r:id="rId24"/>
   </p:sldIdLst>
   <p:sldSz cx="9144000" cy="6858000" type="screen4x3"/>
   <p:notesSz cx="6858000" cy="9144000"/>
@@ -562,7 +569,7 @@
             <a:fld id="{96901A81-0F01-4EEE-B1B8-8AAFCC661EC4}" type="slidenum">
               <a:rPr lang="zh-CN" altLang="en-US" smtClean="0"/>
               <a:pPr/>
-              <a:t>15</a:t>
+              <a:t>22</a:t>
             </a:fld>
             <a:endParaRPr lang="zh-CN" altLang="en-US"/>
           </a:p>
@@ -39806,6 +39813,1100 @@
           <a:lstStyle/>
           <a:p>
             <a:r>
+              <a:rPr lang="zh-CN" altLang="en-US" dirty="0" smtClean="0"/>
+              <a:t>请求</a:t>
+            </a:r>
+            <a:r>
+              <a:rPr lang="en-US" altLang="zh-CN" dirty="0" smtClean="0"/>
+              <a:t>Body</a:t>
+            </a:r>
+            <a:endParaRPr lang="zh-CN" altLang="en-US" dirty="0"/>
+          </a:p>
+        </p:txBody>
+      </p:sp>
+      <p:sp>
+        <p:nvSpPr>
+          <p:cNvPr id="3" name="内容占位符 2"/>
+          <p:cNvSpPr>
+            <a:spLocks noGrp="1"/>
+          </p:cNvSpPr>
+          <p:nvPr>
+            <p:ph idx="1"/>
+          </p:nvPr>
+        </p:nvSpPr>
+        <p:spPr/>
+        <p:txBody>
+          <a:bodyPr/>
+          <a:lstStyle/>
+          <a:p>
+            <a:r>
+              <a:rPr lang="zh-CN" altLang="en-US" dirty="0" smtClean="0"/>
+              <a:t>获取</a:t>
+            </a:r>
+            <a:r>
+              <a:rPr lang="en-US" altLang="zh-CN" dirty="0" err="1" smtClean="0"/>
+              <a:t>InputStream</a:t>
+            </a:r>
+            <a:endParaRPr lang="en-US" altLang="zh-CN" dirty="0" smtClean="0"/>
+          </a:p>
+          <a:p>
+            <a:pPr marL="0" indent="0">
+              <a:buNone/>
+            </a:pPr>
+            <a:r>
+              <a:rPr lang="en-US" altLang="zh-CN" sz="2000" dirty="0" err="1" smtClean="0"/>
+              <a:t>InputSream</a:t>
+            </a:r>
+            <a:r>
+              <a:rPr lang="en-US" altLang="zh-CN" sz="2000" dirty="0" smtClean="0"/>
+              <a:t> is = </a:t>
+            </a:r>
+            <a:r>
+              <a:rPr lang="en-US" altLang="zh-CN" sz="2000" dirty="0" err="1" smtClean="0"/>
+              <a:t>HttpServletRequest.getInputStream</a:t>
+            </a:r>
+            <a:r>
+              <a:rPr lang="en-US" altLang="zh-CN" sz="2000" dirty="0" smtClean="0"/>
+              <a:t>(</a:t>
+            </a:r>
+            <a:r>
+              <a:rPr lang="en-US" altLang="zh-CN" sz="2000" u="sng" dirty="0" smtClean="0"/>
+              <a:t>);</a:t>
+            </a:r>
+          </a:p>
+          <a:p>
+            <a:endParaRPr lang="en-US" altLang="zh-CN" dirty="0" smtClean="0"/>
+          </a:p>
+          <a:p>
+            <a:r>
+              <a:rPr lang="zh-CN" altLang="en-US" dirty="0" smtClean="0"/>
+              <a:t>转换成</a:t>
+            </a:r>
+            <a:r>
+              <a:rPr lang="en-US" altLang="zh-CN" dirty="0" smtClean="0"/>
+              <a:t>Reader</a:t>
+            </a:r>
+            <a:r>
+              <a:rPr lang="zh-CN" altLang="en-US" dirty="0" smtClean="0"/>
+              <a:t>来读取字符</a:t>
+            </a:r>
+            <a:endParaRPr lang="en-US" altLang="zh-CN" dirty="0" smtClean="0"/>
+          </a:p>
+          <a:p>
+            <a:pPr marL="0" indent="0">
+              <a:buNone/>
+            </a:pPr>
+            <a:r>
+              <a:rPr lang="en-US" altLang="zh-CN" sz="2000" dirty="0" smtClean="0"/>
+              <a:t>Reader </a:t>
+            </a:r>
+            <a:r>
+              <a:rPr lang="en-US" altLang="zh-CN" sz="2000" dirty="0" err="1" smtClean="0"/>
+              <a:t>reader</a:t>
+            </a:r>
+            <a:r>
+              <a:rPr lang="en-US" altLang="zh-CN" sz="2000" dirty="0" smtClean="0"/>
+              <a:t> = new </a:t>
+            </a:r>
+            <a:r>
+              <a:rPr lang="en-US" altLang="zh-CN" sz="2000" dirty="0" err="1"/>
+              <a:t>BufferedReader</a:t>
+            </a:r>
+            <a:r>
+              <a:rPr lang="en-US" altLang="zh-CN" sz="2000" dirty="0"/>
+              <a:t>(new </a:t>
+            </a:r>
+            <a:r>
+              <a:rPr lang="en-US" altLang="zh-CN" sz="2000" dirty="0" err="1" smtClean="0"/>
+              <a:t>InputStreamReader</a:t>
+            </a:r>
+            <a:r>
+              <a:rPr lang="en-US" altLang="zh-CN" sz="2000" dirty="0" smtClean="0"/>
+              <a:t>(is));</a:t>
+            </a:r>
+          </a:p>
+          <a:p>
+            <a:pPr lvl="1"/>
+            <a:endParaRPr lang="zh-CN" altLang="en-US" dirty="0"/>
+          </a:p>
+        </p:txBody>
+      </p:sp>
+    </p:spTree>
+    <p:extLst>
+      <p:ext uri="{BB962C8B-B14F-4D97-AF65-F5344CB8AC3E}">
+        <p14:creationId xmlns:p14="http://schemas.microsoft.com/office/powerpoint/2010/main" val="3298712096"/>
+      </p:ext>
+    </p:extLst>
+  </p:cSld>
+  <p:clrMapOvr>
+    <a:masterClrMapping/>
+  </p:clrMapOvr>
+  <p:timing>
+    <p:tnLst>
+      <p:par>
+        <p:cTn id="1" dur="indefinite" restart="never" nodeType="tmRoot"/>
+      </p:par>
+    </p:tnLst>
+  </p:timing>
+</p:sld>
+</file>
+
+<file path=ppt/slides/slide11.xml><?xml version="1.0" encoding="utf-8"?>
+<p:sld xmlns:a="http://schemas.openxmlformats.org/drawingml/2006/main" xmlns:r="http://schemas.openxmlformats.org/officeDocument/2006/relationships" xmlns:p="http://schemas.openxmlformats.org/presentationml/2006/main">
+  <p:cSld>
+    <p:spTree>
+      <p:nvGrpSpPr>
+        <p:cNvPr id="1" name=""/>
+        <p:cNvGrpSpPr/>
+        <p:nvPr/>
+      </p:nvGrpSpPr>
+      <p:grpSpPr>
+        <a:xfrm>
+          <a:off x="0" y="0"/>
+          <a:ext cx="0" cy="0"/>
+          <a:chOff x="0" y="0"/>
+          <a:chExt cx="0" cy="0"/>
+        </a:xfrm>
+      </p:grpSpPr>
+      <p:sp>
+        <p:nvSpPr>
+          <p:cNvPr id="2" name="标题 1"/>
+          <p:cNvSpPr>
+            <a:spLocks noGrp="1"/>
+          </p:cNvSpPr>
+          <p:nvPr>
+            <p:ph type="title"/>
+          </p:nvPr>
+        </p:nvSpPr>
+        <p:spPr/>
+        <p:txBody>
+          <a:bodyPr>
+            <a:normAutofit fontScale="90000"/>
+          </a:bodyPr>
+          <a:lstStyle/>
+          <a:p>
+            <a:r>
+              <a:rPr lang="zh-CN" altLang="en-US" dirty="0" smtClean="0"/>
+              <a:t>响应码</a:t>
+            </a:r>
+            <a:endParaRPr lang="zh-CN" altLang="en-US" dirty="0"/>
+          </a:p>
+        </p:txBody>
+      </p:sp>
+      <p:sp>
+        <p:nvSpPr>
+          <p:cNvPr id="3" name="内容占位符 2"/>
+          <p:cNvSpPr>
+            <a:spLocks noGrp="1"/>
+          </p:cNvSpPr>
+          <p:nvPr>
+            <p:ph idx="1"/>
+          </p:nvPr>
+        </p:nvSpPr>
+        <p:spPr/>
+        <p:txBody>
+          <a:bodyPr/>
+          <a:lstStyle/>
+          <a:p>
+            <a:r>
+              <a:rPr lang="en-US" altLang="zh-CN" dirty="0" err="1" smtClean="0"/>
+              <a:t>HttpServletResponse.setStatus</a:t>
+            </a:r>
+            <a:r>
+              <a:rPr lang="en-US" altLang="zh-CN" dirty="0" smtClean="0"/>
+              <a:t>(</a:t>
+            </a:r>
+            <a:r>
+              <a:rPr lang="en-US" altLang="zh-CN" dirty="0" err="1" smtClean="0"/>
+              <a:t>int</a:t>
+            </a:r>
+            <a:r>
+              <a:rPr lang="en-US" altLang="zh-CN" dirty="0" smtClean="0"/>
+              <a:t>)</a:t>
+            </a:r>
+          </a:p>
+          <a:p>
+            <a:r>
+              <a:rPr lang="en-US" altLang="zh-CN" dirty="0" err="1"/>
+              <a:t>HttpServletResponse</a:t>
+            </a:r>
+            <a:r>
+              <a:rPr lang="en-US" altLang="zh-CN" dirty="0" err="1" smtClean="0"/>
+              <a:t>.sendError</a:t>
+            </a:r>
+            <a:r>
+              <a:rPr lang="en-US" altLang="zh-CN" dirty="0" smtClean="0"/>
+              <a:t>(</a:t>
+            </a:r>
+            <a:r>
+              <a:rPr lang="en-US" altLang="zh-CN" dirty="0" err="1" smtClean="0"/>
+              <a:t>int</a:t>
+            </a:r>
+            <a:r>
+              <a:rPr lang="en-US" altLang="zh-CN" dirty="0" smtClean="0"/>
+              <a:t> </a:t>
+            </a:r>
+            <a:r>
+              <a:rPr lang="en-US" altLang="zh-CN" dirty="0"/>
+              <a:t>code, String message)</a:t>
+            </a:r>
+          </a:p>
+          <a:p>
+            <a:r>
+              <a:rPr lang="en-US" altLang="zh-CN" dirty="0" err="1"/>
+              <a:t>HttpServletResponse</a:t>
+            </a:r>
+            <a:r>
+              <a:rPr lang="en-US" altLang="zh-CN" dirty="0" err="1" smtClean="0"/>
+              <a:t>.sendRedirect</a:t>
+            </a:r>
+            <a:r>
+              <a:rPr lang="en-US" altLang="zh-CN" dirty="0" smtClean="0"/>
+              <a:t>(String </a:t>
+            </a:r>
+            <a:r>
+              <a:rPr lang="en-US" altLang="zh-CN" dirty="0" err="1"/>
+              <a:t>url</a:t>
+            </a:r>
+            <a:r>
+              <a:rPr lang="en-US" altLang="zh-CN" dirty="0"/>
+              <a:t>)</a:t>
+            </a:r>
+            <a:endParaRPr lang="zh-CN" altLang="en-US" dirty="0"/>
+          </a:p>
+        </p:txBody>
+      </p:sp>
+    </p:spTree>
+    <p:extLst>
+      <p:ext uri="{BB962C8B-B14F-4D97-AF65-F5344CB8AC3E}">
+        <p14:creationId xmlns:p14="http://schemas.microsoft.com/office/powerpoint/2010/main" val="3240702301"/>
+      </p:ext>
+    </p:extLst>
+  </p:cSld>
+  <p:clrMapOvr>
+    <a:masterClrMapping/>
+  </p:clrMapOvr>
+</p:sld>
+</file>
+
+<file path=ppt/slides/slide12.xml><?xml version="1.0" encoding="utf-8"?>
+<p:sld xmlns:a="http://schemas.openxmlformats.org/drawingml/2006/main" xmlns:r="http://schemas.openxmlformats.org/officeDocument/2006/relationships" xmlns:p="http://schemas.openxmlformats.org/presentationml/2006/main">
+  <p:cSld>
+    <p:spTree>
+      <p:nvGrpSpPr>
+        <p:cNvPr id="1" name=""/>
+        <p:cNvGrpSpPr/>
+        <p:nvPr/>
+      </p:nvGrpSpPr>
+      <p:grpSpPr>
+        <a:xfrm>
+          <a:off x="0" y="0"/>
+          <a:ext cx="0" cy="0"/>
+          <a:chOff x="0" y="0"/>
+          <a:chExt cx="0" cy="0"/>
+        </a:xfrm>
+      </p:grpSpPr>
+      <p:sp>
+        <p:nvSpPr>
+          <p:cNvPr id="2" name="标题 1"/>
+          <p:cNvSpPr>
+            <a:spLocks noGrp="1"/>
+          </p:cNvSpPr>
+          <p:nvPr>
+            <p:ph type="title"/>
+          </p:nvPr>
+        </p:nvSpPr>
+        <p:spPr/>
+        <p:txBody>
+          <a:bodyPr>
+            <a:normAutofit fontScale="90000"/>
+          </a:bodyPr>
+          <a:lstStyle/>
+          <a:p>
+            <a:r>
+              <a:rPr lang="zh-CN" altLang="en-US" dirty="0" smtClean="0"/>
+              <a:t>响应</a:t>
+            </a:r>
+            <a:r>
+              <a:rPr lang="en-US" altLang="zh-CN" dirty="0" smtClean="0"/>
+              <a:t>Header</a:t>
+            </a:r>
+            <a:endParaRPr lang="zh-CN" altLang="en-US" dirty="0"/>
+          </a:p>
+        </p:txBody>
+      </p:sp>
+      <p:sp>
+        <p:nvSpPr>
+          <p:cNvPr id="3" name="内容占位符 2"/>
+          <p:cNvSpPr>
+            <a:spLocks noGrp="1"/>
+          </p:cNvSpPr>
+          <p:nvPr>
+            <p:ph idx="1"/>
+          </p:nvPr>
+        </p:nvSpPr>
+        <p:spPr/>
+        <p:txBody>
+          <a:bodyPr/>
+          <a:lstStyle/>
+          <a:p>
+            <a:r>
+              <a:rPr lang="en-US" altLang="zh-CN" dirty="0" err="1" smtClean="0"/>
+              <a:t>HttpServletResponse</a:t>
+            </a:r>
+            <a:endParaRPr lang="en-US" altLang="zh-CN" dirty="0" smtClean="0"/>
+          </a:p>
+          <a:p>
+            <a:pPr lvl="1"/>
+            <a:r>
+              <a:rPr lang="en-US" altLang="zh-CN" dirty="0" err="1"/>
+              <a:t>setHeader</a:t>
+            </a:r>
+            <a:r>
+              <a:rPr lang="en-US" altLang="zh-CN" dirty="0"/>
+              <a:t>(String </a:t>
+            </a:r>
+            <a:r>
+              <a:rPr lang="en-US" altLang="zh-CN" dirty="0" err="1"/>
+              <a:t>headerName,String</a:t>
+            </a:r>
+            <a:r>
+              <a:rPr lang="en-US" altLang="zh-CN" dirty="0"/>
+              <a:t> </a:t>
+            </a:r>
+            <a:r>
+              <a:rPr lang="en-US" altLang="zh-CN" dirty="0" err="1"/>
+              <a:t>headerValue</a:t>
+            </a:r>
+            <a:r>
+              <a:rPr lang="en-US" altLang="zh-CN" dirty="0"/>
+              <a:t>)</a:t>
+            </a:r>
+          </a:p>
+          <a:p>
+            <a:pPr lvl="1"/>
+            <a:r>
+              <a:rPr lang="en-US" altLang="zh-CN" dirty="0" err="1"/>
+              <a:t>setDateHeader</a:t>
+            </a:r>
+            <a:r>
+              <a:rPr lang="en-US" altLang="zh-CN" dirty="0"/>
+              <a:t>(String name, long </a:t>
+            </a:r>
+            <a:r>
+              <a:rPr lang="en-US" altLang="zh-CN" dirty="0" err="1"/>
+              <a:t>millisecs</a:t>
+            </a:r>
+            <a:r>
+              <a:rPr lang="en-US" altLang="zh-CN" dirty="0"/>
+              <a:t>)</a:t>
+            </a:r>
+          </a:p>
+          <a:p>
+            <a:pPr lvl="1"/>
+            <a:r>
+              <a:rPr lang="en-US" altLang="zh-CN" dirty="0" err="1"/>
+              <a:t>setIntHeader</a:t>
+            </a:r>
+            <a:r>
+              <a:rPr lang="en-US" altLang="zh-CN" dirty="0"/>
+              <a:t>(String name, </a:t>
+            </a:r>
+            <a:r>
+              <a:rPr lang="en-US" altLang="zh-CN" dirty="0" err="1"/>
+              <a:t>int</a:t>
+            </a:r>
+            <a:r>
+              <a:rPr lang="en-US" altLang="zh-CN" dirty="0"/>
+              <a:t> </a:t>
+            </a:r>
+            <a:r>
+              <a:rPr lang="en-US" altLang="zh-CN" dirty="0" err="1"/>
+              <a:t>headerValue</a:t>
+            </a:r>
+            <a:r>
+              <a:rPr lang="en-US" altLang="zh-CN" dirty="0"/>
+              <a:t>)</a:t>
+            </a:r>
+          </a:p>
+          <a:p>
+            <a:pPr lvl="1"/>
+            <a:r>
+              <a:rPr lang="en-US" altLang="zh-CN" dirty="0" err="1"/>
+              <a:t>addHeader</a:t>
+            </a:r>
+            <a:r>
+              <a:rPr lang="en-US" altLang="zh-CN" dirty="0"/>
+              <a:t>, </a:t>
+            </a:r>
+            <a:r>
+              <a:rPr lang="en-US" altLang="zh-CN" dirty="0" err="1"/>
+              <a:t>addDateHeader</a:t>
+            </a:r>
+            <a:r>
+              <a:rPr lang="en-US" altLang="zh-CN" dirty="0"/>
+              <a:t>, </a:t>
+            </a:r>
+            <a:r>
+              <a:rPr lang="en-US" altLang="zh-CN" dirty="0" err="1"/>
+              <a:t>addIntHeader</a:t>
+            </a:r>
+            <a:endParaRPr lang="zh-CN" altLang="en-US" dirty="0"/>
+          </a:p>
+        </p:txBody>
+      </p:sp>
+    </p:spTree>
+    <p:extLst>
+      <p:ext uri="{BB962C8B-B14F-4D97-AF65-F5344CB8AC3E}">
+        <p14:creationId xmlns:p14="http://schemas.microsoft.com/office/powerpoint/2010/main" val="713918163"/>
+      </p:ext>
+    </p:extLst>
+  </p:cSld>
+  <p:clrMapOvr>
+    <a:masterClrMapping/>
+  </p:clrMapOvr>
+</p:sld>
+</file>
+
+<file path=ppt/slides/slide13.xml><?xml version="1.0" encoding="utf-8"?>
+<p:sld xmlns:a="http://schemas.openxmlformats.org/drawingml/2006/main" xmlns:r="http://schemas.openxmlformats.org/officeDocument/2006/relationships" xmlns:p="http://schemas.openxmlformats.org/presentationml/2006/main">
+  <p:cSld>
+    <p:spTree>
+      <p:nvGrpSpPr>
+        <p:cNvPr id="1" name=""/>
+        <p:cNvGrpSpPr/>
+        <p:nvPr/>
+      </p:nvGrpSpPr>
+      <p:grpSpPr>
+        <a:xfrm>
+          <a:off x="0" y="0"/>
+          <a:ext cx="0" cy="0"/>
+          <a:chOff x="0" y="0"/>
+          <a:chExt cx="0" cy="0"/>
+        </a:xfrm>
+      </p:grpSpPr>
+      <p:sp>
+        <p:nvSpPr>
+          <p:cNvPr id="2" name="标题 1"/>
+          <p:cNvSpPr>
+            <a:spLocks noGrp="1"/>
+          </p:cNvSpPr>
+          <p:nvPr>
+            <p:ph type="title"/>
+          </p:nvPr>
+        </p:nvSpPr>
+        <p:spPr/>
+        <p:txBody>
+          <a:bodyPr>
+            <a:normAutofit fontScale="90000"/>
+          </a:bodyPr>
+          <a:lstStyle/>
+          <a:p>
+            <a:r>
+              <a:rPr lang="zh-CN" altLang="en-US" dirty="0" smtClean="0"/>
+              <a:t>设置常用的响应</a:t>
+            </a:r>
+            <a:r>
+              <a:rPr lang="en-US" altLang="zh-CN" dirty="0"/>
+              <a:t>Header</a:t>
+            </a:r>
+            <a:endParaRPr lang="zh-CN" altLang="en-US" dirty="0"/>
+          </a:p>
+        </p:txBody>
+      </p:sp>
+      <p:sp>
+        <p:nvSpPr>
+          <p:cNvPr id="3" name="内容占位符 2"/>
+          <p:cNvSpPr>
+            <a:spLocks noGrp="1"/>
+          </p:cNvSpPr>
+          <p:nvPr>
+            <p:ph idx="1"/>
+          </p:nvPr>
+        </p:nvSpPr>
+        <p:spPr/>
+        <p:txBody>
+          <a:bodyPr/>
+          <a:lstStyle/>
+          <a:p>
+            <a:r>
+              <a:rPr lang="en-US" altLang="zh-CN" dirty="0" err="1"/>
+              <a:t>HttpServletResponse</a:t>
+            </a:r>
+            <a:endParaRPr lang="en-US" altLang="zh-CN" dirty="0"/>
+          </a:p>
+          <a:p>
+            <a:pPr lvl="1"/>
+            <a:r>
+              <a:rPr lang="en-US" altLang="zh-CN" dirty="0" err="1"/>
+              <a:t>setContentType</a:t>
+            </a:r>
+            <a:endParaRPr lang="en-US" altLang="zh-CN" dirty="0"/>
+          </a:p>
+          <a:p>
+            <a:pPr lvl="1"/>
+            <a:r>
+              <a:rPr lang="en-US" altLang="zh-CN" dirty="0" err="1" smtClean="0"/>
+              <a:t>setContentLength</a:t>
+            </a:r>
+            <a:r>
+              <a:rPr lang="en-US" altLang="zh-CN" dirty="0" smtClean="0"/>
+              <a:t> </a:t>
+            </a:r>
+            <a:r>
+              <a:rPr lang="zh-CN" altLang="en-US" dirty="0"/>
+              <a:t> </a:t>
+            </a:r>
+            <a:r>
+              <a:rPr lang="en-US" altLang="zh-CN" dirty="0" smtClean="0"/>
+              <a:t>(</a:t>
+            </a:r>
+            <a:r>
+              <a:rPr lang="zh-CN" altLang="en-US" dirty="0" smtClean="0"/>
+              <a:t>可选</a:t>
+            </a:r>
+            <a:r>
+              <a:rPr lang="en-US" altLang="zh-CN" dirty="0" smtClean="0"/>
+              <a:t>)</a:t>
+            </a:r>
+            <a:endParaRPr lang="en-US" altLang="zh-CN" dirty="0"/>
+          </a:p>
+          <a:p>
+            <a:pPr lvl="1"/>
+            <a:r>
+              <a:rPr lang="en-US" altLang="zh-CN" dirty="0" err="1"/>
+              <a:t>addCookie</a:t>
+            </a:r>
+            <a:endParaRPr lang="en-US" altLang="zh-CN" dirty="0"/>
+          </a:p>
+          <a:p>
+            <a:pPr lvl="1"/>
+            <a:r>
+              <a:rPr lang="en-US" altLang="zh-CN" dirty="0" err="1"/>
+              <a:t>sendRedirect</a:t>
+            </a:r>
+            <a:endParaRPr lang="en-US" altLang="zh-CN" dirty="0"/>
+          </a:p>
+          <a:p>
+            <a:endParaRPr lang="zh-CN" altLang="en-US" dirty="0"/>
+          </a:p>
+        </p:txBody>
+      </p:sp>
+    </p:spTree>
+    <p:extLst>
+      <p:ext uri="{BB962C8B-B14F-4D97-AF65-F5344CB8AC3E}">
+        <p14:creationId xmlns:p14="http://schemas.microsoft.com/office/powerpoint/2010/main" val="1337238165"/>
+      </p:ext>
+    </p:extLst>
+  </p:cSld>
+  <p:clrMapOvr>
+    <a:masterClrMapping/>
+  </p:clrMapOvr>
+</p:sld>
+</file>
+
+<file path=ppt/slides/slide14.xml><?xml version="1.0" encoding="utf-8"?>
+<p:sld xmlns:a="http://schemas.openxmlformats.org/drawingml/2006/main" xmlns:r="http://schemas.openxmlformats.org/officeDocument/2006/relationships" xmlns:p="http://schemas.openxmlformats.org/presentationml/2006/main">
+  <p:cSld>
+    <p:spTree>
+      <p:nvGrpSpPr>
+        <p:cNvPr id="1" name=""/>
+        <p:cNvGrpSpPr/>
+        <p:nvPr/>
+      </p:nvGrpSpPr>
+      <p:grpSpPr>
+        <a:xfrm>
+          <a:off x="0" y="0"/>
+          <a:ext cx="0" cy="0"/>
+          <a:chOff x="0" y="0"/>
+          <a:chExt cx="0" cy="0"/>
+        </a:xfrm>
+      </p:grpSpPr>
+      <p:sp>
+        <p:nvSpPr>
+          <p:cNvPr id="2" name="标题 1"/>
+          <p:cNvSpPr>
+            <a:spLocks noGrp="1"/>
+          </p:cNvSpPr>
+          <p:nvPr>
+            <p:ph type="title"/>
+          </p:nvPr>
+        </p:nvSpPr>
+        <p:spPr/>
+        <p:txBody>
+          <a:bodyPr>
+            <a:normAutofit fontScale="90000"/>
+          </a:bodyPr>
+          <a:lstStyle/>
+          <a:p>
+            <a:r>
+              <a:rPr lang="en-US" altLang="zh-CN" dirty="0" smtClean="0"/>
+              <a:t>Cookie</a:t>
+            </a:r>
+            <a:r>
+              <a:rPr lang="zh-CN" altLang="en-US" dirty="0" smtClean="0"/>
+              <a:t>和</a:t>
+            </a:r>
+            <a:r>
+              <a:rPr lang="en-US" altLang="zh-CN" dirty="0" err="1" smtClean="0"/>
+              <a:t>Sesssion</a:t>
+            </a:r>
+            <a:endParaRPr lang="zh-CN" altLang="en-US" dirty="0"/>
+          </a:p>
+        </p:txBody>
+      </p:sp>
+      <p:sp>
+        <p:nvSpPr>
+          <p:cNvPr id="3" name="内容占位符 2"/>
+          <p:cNvSpPr>
+            <a:spLocks noGrp="1"/>
+          </p:cNvSpPr>
+          <p:nvPr>
+            <p:ph idx="1"/>
+          </p:nvPr>
+        </p:nvSpPr>
+        <p:spPr/>
+        <p:txBody>
+          <a:bodyPr/>
+          <a:lstStyle/>
+          <a:p>
+            <a:r>
+              <a:rPr lang="en-US" altLang="zh-CN" dirty="0" smtClean="0"/>
+              <a:t>Cookie</a:t>
+            </a:r>
+          </a:p>
+          <a:p>
+            <a:pPr lvl="1"/>
+            <a:r>
+              <a:rPr lang="zh-CN" altLang="en-US" dirty="0" smtClean="0"/>
+              <a:t>在客户端（浏览器）上保存状态</a:t>
+            </a:r>
+            <a:endParaRPr lang="en-US" altLang="zh-CN" dirty="0" smtClean="0"/>
+          </a:p>
+          <a:p>
+            <a:r>
+              <a:rPr lang="en-US" altLang="zh-CN" dirty="0" smtClean="0"/>
+              <a:t>Session</a:t>
+            </a:r>
+          </a:p>
+          <a:p>
+            <a:pPr lvl="1"/>
+            <a:r>
+              <a:rPr lang="zh-CN" altLang="en-US" dirty="0" smtClean="0"/>
+              <a:t>在服务器端保存状态</a:t>
+            </a:r>
+            <a:endParaRPr lang="zh-CN" altLang="en-US" dirty="0"/>
+          </a:p>
+        </p:txBody>
+      </p:sp>
+    </p:spTree>
+    <p:extLst>
+      <p:ext uri="{BB962C8B-B14F-4D97-AF65-F5344CB8AC3E}">
+        <p14:creationId xmlns:p14="http://schemas.microsoft.com/office/powerpoint/2010/main" val="2606564832"/>
+      </p:ext>
+    </p:extLst>
+  </p:cSld>
+  <p:clrMapOvr>
+    <a:masterClrMapping/>
+  </p:clrMapOvr>
+</p:sld>
+</file>
+
+<file path=ppt/slides/slide15.xml><?xml version="1.0" encoding="utf-8"?>
+<p:sld xmlns:a="http://schemas.openxmlformats.org/drawingml/2006/main" xmlns:r="http://schemas.openxmlformats.org/officeDocument/2006/relationships" xmlns:p="http://schemas.openxmlformats.org/presentationml/2006/main">
+  <p:cSld>
+    <p:spTree>
+      <p:nvGrpSpPr>
+        <p:cNvPr id="1" name=""/>
+        <p:cNvGrpSpPr/>
+        <p:nvPr/>
+      </p:nvGrpSpPr>
+      <p:grpSpPr>
+        <a:xfrm>
+          <a:off x="0" y="0"/>
+          <a:ext cx="0" cy="0"/>
+          <a:chOff x="0" y="0"/>
+          <a:chExt cx="0" cy="0"/>
+        </a:xfrm>
+      </p:grpSpPr>
+      <p:sp>
+        <p:nvSpPr>
+          <p:cNvPr id="2" name="标题 1"/>
+          <p:cNvSpPr>
+            <a:spLocks noGrp="1"/>
+          </p:cNvSpPr>
+          <p:nvPr>
+            <p:ph type="title"/>
+          </p:nvPr>
+        </p:nvSpPr>
+        <p:spPr/>
+        <p:txBody>
+          <a:bodyPr>
+            <a:normAutofit fontScale="90000"/>
+          </a:bodyPr>
+          <a:lstStyle/>
+          <a:p>
+            <a:r>
+              <a:rPr lang="en-US" altLang="zh-CN" dirty="0" smtClean="0"/>
+              <a:t>Listener - </a:t>
+            </a:r>
+            <a:r>
+              <a:rPr lang="en-US" altLang="zh-CN" dirty="0"/>
+              <a:t>@</a:t>
+            </a:r>
+            <a:r>
+              <a:rPr lang="en-US" altLang="zh-CN" dirty="0" err="1"/>
+              <a:t>WebListener</a:t>
+            </a:r>
+            <a:endParaRPr lang="zh-CN" altLang="en-US" dirty="0"/>
+          </a:p>
+        </p:txBody>
+      </p:sp>
+      <p:sp>
+        <p:nvSpPr>
+          <p:cNvPr id="3" name="内容占位符 2"/>
+          <p:cNvSpPr>
+            <a:spLocks noGrp="1"/>
+          </p:cNvSpPr>
+          <p:nvPr>
+            <p:ph idx="1"/>
+          </p:nvPr>
+        </p:nvSpPr>
+        <p:spPr/>
+        <p:txBody>
+          <a:bodyPr>
+            <a:normAutofit lnSpcReduction="10000"/>
+          </a:bodyPr>
+          <a:lstStyle/>
+          <a:p>
+            <a:r>
+              <a:rPr lang="zh-CN" altLang="en-US" dirty="0"/>
+              <a:t>该注解用于将类声明为监听器，被 </a:t>
+            </a:r>
+            <a:r>
+              <a:rPr lang="en-US" altLang="zh-CN" dirty="0"/>
+              <a:t>@</a:t>
+            </a:r>
+            <a:r>
+              <a:rPr lang="en-US" altLang="zh-CN" dirty="0" err="1"/>
+              <a:t>WebListener</a:t>
+            </a:r>
+            <a:r>
+              <a:rPr lang="en-US" altLang="zh-CN" dirty="0"/>
+              <a:t> </a:t>
+            </a:r>
+            <a:r>
+              <a:rPr lang="zh-CN" altLang="en-US" dirty="0"/>
+              <a:t>标注的类必须实现以下至少一个接口</a:t>
+            </a:r>
+            <a:r>
+              <a:rPr lang="zh-CN" altLang="en-US" dirty="0" smtClean="0"/>
+              <a:t>：</a:t>
+            </a:r>
+            <a:endParaRPr lang="en-US" altLang="zh-CN" dirty="0" smtClean="0"/>
+          </a:p>
+          <a:p>
+            <a:pPr lvl="1"/>
+            <a:r>
+              <a:rPr lang="en-US" altLang="zh-CN" dirty="0" err="1"/>
+              <a:t>ServletContextListener</a:t>
+            </a:r>
+            <a:endParaRPr lang="en-US" altLang="zh-CN" dirty="0"/>
+          </a:p>
+          <a:p>
+            <a:pPr lvl="1"/>
+            <a:r>
+              <a:rPr lang="en-US" altLang="zh-CN" dirty="0" err="1"/>
+              <a:t>ServletContextAttributeListener</a:t>
+            </a:r>
+            <a:endParaRPr lang="en-US" altLang="zh-CN" dirty="0"/>
+          </a:p>
+          <a:p>
+            <a:pPr lvl="1"/>
+            <a:r>
+              <a:rPr lang="en-US" altLang="zh-CN" dirty="0" err="1"/>
+              <a:t>ServletRequestListener</a:t>
+            </a:r>
+            <a:endParaRPr lang="en-US" altLang="zh-CN" dirty="0"/>
+          </a:p>
+          <a:p>
+            <a:pPr lvl="1"/>
+            <a:r>
+              <a:rPr lang="en-US" altLang="zh-CN" dirty="0" err="1"/>
+              <a:t>ServletRequestAttributeListener</a:t>
+            </a:r>
+            <a:endParaRPr lang="en-US" altLang="zh-CN" dirty="0"/>
+          </a:p>
+          <a:p>
+            <a:pPr lvl="1"/>
+            <a:r>
+              <a:rPr lang="en-US" altLang="zh-CN" dirty="0" err="1"/>
+              <a:t>HttpSessionListener</a:t>
+            </a:r>
+            <a:endParaRPr lang="en-US" altLang="zh-CN" dirty="0"/>
+          </a:p>
+          <a:p>
+            <a:pPr lvl="1"/>
+            <a:r>
+              <a:rPr lang="en-US" altLang="zh-CN" dirty="0" err="1"/>
+              <a:t>HttpSessionAttributeListener</a:t>
+            </a:r>
+            <a:endParaRPr lang="zh-CN" altLang="en-US" dirty="0"/>
+          </a:p>
+        </p:txBody>
+      </p:sp>
+    </p:spTree>
+    <p:extLst>
+      <p:ext uri="{BB962C8B-B14F-4D97-AF65-F5344CB8AC3E}">
+        <p14:creationId xmlns:p14="http://schemas.microsoft.com/office/powerpoint/2010/main" val="2899053246"/>
+      </p:ext>
+    </p:extLst>
+  </p:cSld>
+  <p:clrMapOvr>
+    <a:masterClrMapping/>
+  </p:clrMapOvr>
+  <p:timing>
+    <p:tnLst>
+      <p:par>
+        <p:cTn id="1" dur="indefinite" restart="never" nodeType="tmRoot"/>
+      </p:par>
+    </p:tnLst>
+  </p:timing>
+</p:sld>
+</file>
+
+<file path=ppt/slides/slide16.xml><?xml version="1.0" encoding="utf-8"?>
+<p:sld xmlns:a="http://schemas.openxmlformats.org/drawingml/2006/main" xmlns:r="http://schemas.openxmlformats.org/officeDocument/2006/relationships" xmlns:p="http://schemas.openxmlformats.org/presentationml/2006/main">
+  <p:cSld>
+    <p:spTree>
+      <p:nvGrpSpPr>
+        <p:cNvPr id="1" name=""/>
+        <p:cNvGrpSpPr/>
+        <p:nvPr/>
+      </p:nvGrpSpPr>
+      <p:grpSpPr>
+        <a:xfrm>
+          <a:off x="0" y="0"/>
+          <a:ext cx="0" cy="0"/>
+          <a:chOff x="0" y="0"/>
+          <a:chExt cx="0" cy="0"/>
+        </a:xfrm>
+      </p:grpSpPr>
+      <p:sp>
+        <p:nvSpPr>
+          <p:cNvPr id="2" name="标题 1"/>
+          <p:cNvSpPr>
+            <a:spLocks noGrp="1"/>
+          </p:cNvSpPr>
+          <p:nvPr>
+            <p:ph type="title"/>
+          </p:nvPr>
+        </p:nvSpPr>
+        <p:spPr/>
+        <p:txBody>
+          <a:bodyPr>
+            <a:normAutofit fontScale="90000"/>
+          </a:bodyPr>
+          <a:lstStyle/>
+          <a:p>
+            <a:pPr fontAlgn="base"/>
+            <a:r>
+              <a:rPr lang="en-US" altLang="zh-CN" dirty="0">
+                <a:effectLst/>
+              </a:rPr>
+              <a:t>@</a:t>
+            </a:r>
+            <a:r>
+              <a:rPr lang="en-US" altLang="zh-CN" dirty="0" err="1">
+                <a:effectLst/>
+              </a:rPr>
+              <a:t>WebFilter</a:t>
+            </a:r>
+            <a:endParaRPr lang="en-US" altLang="zh-CN" dirty="0">
+              <a:effectLst/>
+            </a:endParaRPr>
+          </a:p>
+        </p:txBody>
+      </p:sp>
+      <p:sp>
+        <p:nvSpPr>
+          <p:cNvPr id="3" name="内容占位符 2"/>
+          <p:cNvSpPr>
+            <a:spLocks noGrp="1"/>
+          </p:cNvSpPr>
+          <p:nvPr>
+            <p:ph idx="1"/>
+          </p:nvPr>
+        </p:nvSpPr>
+        <p:spPr>
+          <a:xfrm>
+            <a:off x="455074" y="908720"/>
+            <a:ext cx="8229600" cy="4525963"/>
+          </a:xfrm>
+        </p:spPr>
+        <p:txBody>
+          <a:bodyPr/>
+          <a:lstStyle/>
+          <a:p>
+            <a:r>
+              <a:rPr lang="en-US" altLang="zh-CN" dirty="0"/>
+              <a:t>@</a:t>
+            </a:r>
+            <a:r>
+              <a:rPr lang="en-US" altLang="zh-CN" dirty="0" err="1"/>
+              <a:t>WebFilter</a:t>
+            </a:r>
+            <a:r>
+              <a:rPr lang="en-US" altLang="zh-CN" dirty="0"/>
+              <a:t> </a:t>
+            </a:r>
+            <a:r>
+              <a:rPr lang="zh-CN" altLang="en-US" dirty="0"/>
+              <a:t>用于将一个类声明为</a:t>
+            </a:r>
+            <a:r>
+              <a:rPr lang="zh-CN" altLang="en-US" dirty="0" smtClean="0"/>
+              <a:t>过滤器</a:t>
+            </a:r>
+            <a:endParaRPr lang="en-US" altLang="zh-CN" dirty="0" smtClean="0"/>
+          </a:p>
+          <a:p>
+            <a:pPr lvl="1"/>
+            <a:r>
+              <a:rPr lang="en-US" altLang="zh-CN" dirty="0" err="1" smtClean="0"/>
+              <a:t>urlPatterns</a:t>
+            </a:r>
+            <a:r>
+              <a:rPr lang="en-US" altLang="zh-CN" dirty="0"/>
+              <a:t>= </a:t>
+            </a:r>
+            <a:r>
+              <a:rPr lang="en-US" altLang="zh-CN" dirty="0" smtClean="0"/>
+              <a:t>{"/*"}</a:t>
+            </a:r>
+            <a:endParaRPr lang="zh-CN" altLang="en-US" dirty="0"/>
+          </a:p>
+        </p:txBody>
+      </p:sp>
+      <p:pic>
+        <p:nvPicPr>
+          <p:cNvPr id="1026" name="Picture 2"/>
+          <p:cNvPicPr>
+            <a:picLocks noChangeAspect="1" noChangeArrowheads="1"/>
+          </p:cNvPicPr>
+          <p:nvPr/>
+        </p:nvPicPr>
+        <p:blipFill>
+          <a:blip r:embed="rId2">
+            <a:extLst>
+              <a:ext uri="{28A0092B-C50C-407E-A947-70E740481C1C}">
+                <a14:useLocalDpi xmlns:a14="http://schemas.microsoft.com/office/drawing/2010/main" val="0"/>
+              </a:ext>
+            </a:extLst>
+          </a:blip>
+          <a:srcRect/>
+          <a:stretch>
+            <a:fillRect/>
+          </a:stretch>
+        </p:blipFill>
+        <p:spPr bwMode="auto">
+          <a:xfrm>
+            <a:off x="3455876" y="2113977"/>
+            <a:ext cx="2088232" cy="4332721"/>
+          </a:xfrm>
+          <a:prstGeom prst="rect">
+            <a:avLst/>
+          </a:prstGeom>
+          <a:noFill/>
+          <a:ln>
+            <a:noFill/>
+          </a:ln>
+          <a:effectLst/>
+          <a:extLst>
+            <a:ext uri="{909E8E84-426E-40DD-AFC4-6F175D3DCCD1}">
+              <a14:hiddenFill xmlns:a14="http://schemas.microsoft.com/office/drawing/2010/main">
+                <a:solidFill>
+                  <a:schemeClr val="accent1"/>
+                </a:solidFill>
+              </a14:hiddenFill>
+            </a:ext>
+            <a:ext uri="{91240B29-F687-4F45-9708-019B960494DF}">
+              <a14:hiddenLine xmlns:a14="http://schemas.microsoft.com/office/drawing/2010/main" w="9525">
+                <a:solidFill>
+                  <a:schemeClr val="tx1"/>
+                </a:solidFill>
+                <a:miter lim="800000"/>
+                <a:headEnd/>
+                <a:tailEnd/>
+              </a14:hiddenLine>
+            </a:ext>
+            <a:ext uri="{AF507438-7753-43E0-B8FC-AC1667EBCBE1}">
+              <a14:hiddenEffects xmlns:a14="http://schemas.microsoft.com/office/drawing/2010/main">
+                <a:effectLst>
+                  <a:outerShdw dist="35921" dir="2700000" algn="ctr" rotWithShape="0">
+                    <a:schemeClr val="bg2"/>
+                  </a:outerShdw>
+                </a:effectLst>
+              </a14:hiddenEffects>
+            </a:ext>
+          </a:extLst>
+        </p:spPr>
+      </p:pic>
+    </p:spTree>
+    <p:extLst>
+      <p:ext uri="{BB962C8B-B14F-4D97-AF65-F5344CB8AC3E}">
+        <p14:creationId xmlns:p14="http://schemas.microsoft.com/office/powerpoint/2010/main" val="1899611556"/>
+      </p:ext>
+    </p:extLst>
+  </p:cSld>
+  <p:clrMapOvr>
+    <a:masterClrMapping/>
+  </p:clrMapOvr>
+  <p:timing>
+    <p:tnLst>
+      <p:par>
+        <p:cTn id="1" dur="indefinite" restart="never" nodeType="tmRoot"/>
+      </p:par>
+    </p:tnLst>
+  </p:timing>
+</p:sld>
+</file>
+
+<file path=ppt/slides/slide17.xml><?xml version="1.0" encoding="utf-8"?>
+<p:sld xmlns:a="http://schemas.openxmlformats.org/drawingml/2006/main" xmlns:r="http://schemas.openxmlformats.org/officeDocument/2006/relationships" xmlns:p="http://schemas.openxmlformats.org/presentationml/2006/main">
+  <p:cSld>
+    <p:spTree>
+      <p:nvGrpSpPr>
+        <p:cNvPr id="1" name=""/>
+        <p:cNvGrpSpPr/>
+        <p:nvPr/>
+      </p:nvGrpSpPr>
+      <p:grpSpPr>
+        <a:xfrm>
+          <a:off x="0" y="0"/>
+          <a:ext cx="0" cy="0"/>
+          <a:chOff x="0" y="0"/>
+          <a:chExt cx="0" cy="0"/>
+        </a:xfrm>
+      </p:grpSpPr>
+      <p:sp>
+        <p:nvSpPr>
+          <p:cNvPr id="2" name="标题 1"/>
+          <p:cNvSpPr>
+            <a:spLocks noGrp="1"/>
+          </p:cNvSpPr>
+          <p:nvPr>
+            <p:ph type="title"/>
+          </p:nvPr>
+        </p:nvSpPr>
+        <p:spPr/>
+        <p:txBody>
+          <a:bodyPr>
+            <a:normAutofit fontScale="90000"/>
+          </a:bodyPr>
+          <a:lstStyle/>
+          <a:p>
+            <a:r>
               <a:rPr lang="en-US" altLang="zh-CN" dirty="0" smtClean="0"/>
               <a:t>web.xml</a:t>
             </a:r>
@@ -39977,7 +41078,7 @@
 </p:sld>
 </file>
 
-<file path=ppt/slides/slide11.xml><?xml version="1.0" encoding="utf-8"?>
+<file path=ppt/slides/slide18.xml><?xml version="1.0" encoding="utf-8"?>
 <p:sld xmlns:a="http://schemas.openxmlformats.org/drawingml/2006/main" xmlns:r="http://schemas.openxmlformats.org/officeDocument/2006/relationships" xmlns:p="http://schemas.openxmlformats.org/presentationml/2006/main">
   <p:cSld>
     <p:spTree>
@@ -40117,7 +41218,7 @@
 </p:sld>
 </file>
 
-<file path=ppt/slides/slide12.xml><?xml version="1.0" encoding="utf-8"?>
+<file path=ppt/slides/slide19.xml><?xml version="1.0" encoding="utf-8"?>
 <p:sld xmlns:a="http://schemas.openxmlformats.org/drawingml/2006/main" xmlns:r="http://schemas.openxmlformats.org/officeDocument/2006/relationships" xmlns:p="http://schemas.openxmlformats.org/presentationml/2006/main">
   <p:cSld>
     <p:spTree>
@@ -40270,7 +41371,159 @@
 </p:sld>
 </file>
 
-<file path=ppt/slides/slide13.xml><?xml version="1.0" encoding="utf-8"?>
+<file path=ppt/slides/slide2.xml><?xml version="1.0" encoding="utf-8"?>
+<p:sld xmlns:a="http://schemas.openxmlformats.org/drawingml/2006/main" xmlns:r="http://schemas.openxmlformats.org/officeDocument/2006/relationships" xmlns:p="http://schemas.openxmlformats.org/presentationml/2006/main">
+  <p:cSld>
+    <p:spTree>
+      <p:nvGrpSpPr>
+        <p:cNvPr id="1" name=""/>
+        <p:cNvGrpSpPr/>
+        <p:nvPr/>
+      </p:nvGrpSpPr>
+      <p:grpSpPr>
+        <a:xfrm>
+          <a:off x="0" y="0"/>
+          <a:ext cx="0" cy="0"/>
+          <a:chOff x="0" y="0"/>
+          <a:chExt cx="0" cy="0"/>
+        </a:xfrm>
+      </p:grpSpPr>
+      <p:sp>
+        <p:nvSpPr>
+          <p:cNvPr id="2" name="标题 1"/>
+          <p:cNvSpPr>
+            <a:spLocks noGrp="1"/>
+          </p:cNvSpPr>
+          <p:nvPr>
+            <p:ph type="title"/>
+          </p:nvPr>
+        </p:nvSpPr>
+        <p:spPr/>
+        <p:txBody>
+          <a:bodyPr>
+            <a:normAutofit fontScale="90000"/>
+          </a:bodyPr>
+          <a:lstStyle/>
+          <a:p>
+            <a:r>
+              <a:rPr lang="en-US" altLang="zh-CN" dirty="0" smtClean="0"/>
+              <a:t>Servlet</a:t>
+            </a:r>
+            <a:r>
+              <a:rPr lang="zh-CN" altLang="en-US" dirty="0" smtClean="0"/>
+              <a:t>的作用</a:t>
+            </a:r>
+            <a:endParaRPr lang="zh-CN" altLang="en-US" dirty="0"/>
+          </a:p>
+        </p:txBody>
+      </p:sp>
+      <p:sp>
+        <p:nvSpPr>
+          <p:cNvPr id="3" name="内容占位符 2"/>
+          <p:cNvSpPr>
+            <a:spLocks noGrp="1"/>
+          </p:cNvSpPr>
+          <p:nvPr>
+            <p:ph idx="1"/>
+          </p:nvPr>
+        </p:nvSpPr>
+        <p:spPr/>
+        <p:txBody>
+          <a:bodyPr/>
+          <a:lstStyle/>
+          <a:p>
+            <a:r>
+              <a:rPr lang="zh-CN" altLang="en-US" dirty="0" smtClean="0"/>
+              <a:t>读来自客户机的请求数据</a:t>
+            </a:r>
+            <a:endParaRPr lang="en-US" altLang="zh-CN" dirty="0" smtClean="0"/>
+          </a:p>
+          <a:p>
+            <a:pPr lvl="1"/>
+            <a:r>
+              <a:rPr lang="en-US" altLang="zh-CN" dirty="0" smtClean="0"/>
+              <a:t>Form</a:t>
+            </a:r>
+            <a:r>
+              <a:rPr lang="zh-CN" altLang="en-US" dirty="0" smtClean="0"/>
+              <a:t>数据</a:t>
+            </a:r>
+            <a:endParaRPr lang="en-US" altLang="zh-CN" dirty="0" smtClean="0"/>
+          </a:p>
+          <a:p>
+            <a:pPr lvl="1"/>
+            <a:r>
+              <a:rPr lang="en-US" altLang="zh-CN" dirty="0" smtClean="0"/>
+              <a:t>Header</a:t>
+            </a:r>
+            <a:r>
+              <a:rPr lang="zh-CN" altLang="en-US" dirty="0" smtClean="0"/>
+              <a:t>中的数据</a:t>
+            </a:r>
+            <a:endParaRPr lang="en-US" altLang="zh-CN" dirty="0" smtClean="0"/>
+          </a:p>
+          <a:p>
+            <a:r>
+              <a:rPr lang="zh-CN" altLang="en-US" dirty="0" smtClean="0"/>
+              <a:t>生成结果响应</a:t>
+            </a:r>
+            <a:endParaRPr lang="en-US" altLang="zh-CN" dirty="0" smtClean="0"/>
+          </a:p>
+          <a:p>
+            <a:pPr lvl="1"/>
+            <a:r>
+              <a:rPr lang="zh-CN" altLang="en-US" dirty="0" smtClean="0"/>
+              <a:t>各种类型的数据 </a:t>
+            </a:r>
+            <a:endParaRPr lang="en-US" altLang="zh-CN" dirty="0"/>
+          </a:p>
+          <a:p>
+            <a:pPr lvl="1"/>
+            <a:r>
+              <a:rPr lang="zh-CN" altLang="en-US" dirty="0" smtClean="0"/>
+              <a:t>设置响应状态码</a:t>
+            </a:r>
+            <a:endParaRPr lang="en-US" altLang="zh-CN" dirty="0" smtClean="0"/>
+          </a:p>
+          <a:p>
+            <a:pPr lvl="1"/>
+            <a:r>
+              <a:rPr lang="zh-CN" altLang="en-US" dirty="0" smtClean="0"/>
+              <a:t>设置响应</a:t>
+            </a:r>
+            <a:r>
+              <a:rPr lang="en-US" altLang="zh-CN" dirty="0" smtClean="0"/>
+              <a:t>Header</a:t>
+            </a:r>
+            <a:r>
+              <a:rPr lang="zh-CN" altLang="en-US" dirty="0" smtClean="0"/>
+              <a:t>数据</a:t>
+            </a:r>
+            <a:endParaRPr lang="zh-CN" altLang="en-US" dirty="0"/>
+          </a:p>
+        </p:txBody>
+      </p:sp>
+    </p:spTree>
+    <p:extLst>
+      <p:ext uri="{BB962C8B-B14F-4D97-AF65-F5344CB8AC3E}">
+        <p14:creationId xmlns:p14="http://schemas.microsoft.com/office/powerpoint/2010/main" val="3288246481"/>
+      </p:ext>
+    </p:extLst>
+  </p:cSld>
+  <p:clrMapOvr>
+    <a:masterClrMapping/>
+  </p:clrMapOvr>
+  <p:timing>
+    <p:tnLst>
+      <p:par>
+        <p:cTn id="1" dur="indefinite" restart="never" nodeType="tmRoot"/>
+      </p:par>
+    </p:tnLst>
+  </p:timing>
+</p:sld>
+</file>
+
+<file path=ppt/slides/slide20.xml><?xml version="1.0" encoding="utf-8"?>
 <p:sld xmlns:a="http://schemas.openxmlformats.org/drawingml/2006/main" xmlns:r="http://schemas.openxmlformats.org/officeDocument/2006/relationships" xmlns:p="http://schemas.openxmlformats.org/presentationml/2006/main">
   <p:cSld>
     <p:spTree>
@@ -40404,7 +41657,7 @@
 </p:sld>
 </file>
 
-<file path=ppt/slides/slide14.xml><?xml version="1.0" encoding="utf-8"?>
+<file path=ppt/slides/slide21.xml><?xml version="1.0" encoding="utf-8"?>
 <p:sld xmlns:a="http://schemas.openxmlformats.org/drawingml/2006/main" xmlns:r="http://schemas.openxmlformats.org/officeDocument/2006/relationships" xmlns:p="http://schemas.openxmlformats.org/presentationml/2006/main">
   <p:cSld>
     <p:spTree>
@@ -40553,7 +41806,7 @@
 </p:sld>
 </file>
 
-<file path=ppt/slides/slide15.xml><?xml version="1.0" encoding="utf-8"?>
+<file path=ppt/slides/slide22.xml><?xml version="1.0" encoding="utf-8"?>
 <p:sld xmlns:a="http://schemas.openxmlformats.org/drawingml/2006/main" xmlns:r="http://schemas.openxmlformats.org/officeDocument/2006/relationships" xmlns:p="http://schemas.openxmlformats.org/presentationml/2006/main">
   <p:cSld>
     <p:spTree>
@@ -40574,158 +41827,6 @@
     <p:extLst>
       <p:ext uri="{BB962C8B-B14F-4D97-AF65-F5344CB8AC3E}">
         <p14:creationId xmlns:p14="http://schemas.microsoft.com/office/powerpoint/2010/main" val="3418871224"/>
-      </p:ext>
-    </p:extLst>
-  </p:cSld>
-  <p:clrMapOvr>
-    <a:masterClrMapping/>
-  </p:clrMapOvr>
-  <p:timing>
-    <p:tnLst>
-      <p:par>
-        <p:cTn id="1" dur="indefinite" restart="never" nodeType="tmRoot"/>
-      </p:par>
-    </p:tnLst>
-  </p:timing>
-</p:sld>
-</file>
-
-<file path=ppt/slides/slide2.xml><?xml version="1.0" encoding="utf-8"?>
-<p:sld xmlns:a="http://schemas.openxmlformats.org/drawingml/2006/main" xmlns:r="http://schemas.openxmlformats.org/officeDocument/2006/relationships" xmlns:p="http://schemas.openxmlformats.org/presentationml/2006/main">
-  <p:cSld>
-    <p:spTree>
-      <p:nvGrpSpPr>
-        <p:cNvPr id="1" name=""/>
-        <p:cNvGrpSpPr/>
-        <p:nvPr/>
-      </p:nvGrpSpPr>
-      <p:grpSpPr>
-        <a:xfrm>
-          <a:off x="0" y="0"/>
-          <a:ext cx="0" cy="0"/>
-          <a:chOff x="0" y="0"/>
-          <a:chExt cx="0" cy="0"/>
-        </a:xfrm>
-      </p:grpSpPr>
-      <p:sp>
-        <p:nvSpPr>
-          <p:cNvPr id="2" name="标题 1"/>
-          <p:cNvSpPr>
-            <a:spLocks noGrp="1"/>
-          </p:cNvSpPr>
-          <p:nvPr>
-            <p:ph type="title"/>
-          </p:nvPr>
-        </p:nvSpPr>
-        <p:spPr/>
-        <p:txBody>
-          <a:bodyPr>
-            <a:normAutofit fontScale="90000"/>
-          </a:bodyPr>
-          <a:lstStyle/>
-          <a:p>
-            <a:r>
-              <a:rPr lang="en-US" altLang="zh-CN" dirty="0" smtClean="0"/>
-              <a:t>Servlet</a:t>
-            </a:r>
-            <a:r>
-              <a:rPr lang="zh-CN" altLang="en-US" dirty="0" smtClean="0"/>
-              <a:t>的作用</a:t>
-            </a:r>
-            <a:endParaRPr lang="zh-CN" altLang="en-US" dirty="0"/>
-          </a:p>
-        </p:txBody>
-      </p:sp>
-      <p:sp>
-        <p:nvSpPr>
-          <p:cNvPr id="3" name="内容占位符 2"/>
-          <p:cNvSpPr>
-            <a:spLocks noGrp="1"/>
-          </p:cNvSpPr>
-          <p:nvPr>
-            <p:ph idx="1"/>
-          </p:nvPr>
-        </p:nvSpPr>
-        <p:spPr/>
-        <p:txBody>
-          <a:bodyPr/>
-          <a:lstStyle/>
-          <a:p>
-            <a:r>
-              <a:rPr lang="zh-CN" altLang="en-US" dirty="0" smtClean="0"/>
-              <a:t>读来自客户机的请求数据</a:t>
-            </a:r>
-            <a:endParaRPr lang="en-US" altLang="zh-CN" dirty="0" smtClean="0"/>
-          </a:p>
-          <a:p>
-            <a:pPr lvl="1"/>
-            <a:r>
-              <a:rPr lang="en-US" altLang="zh-CN" dirty="0" smtClean="0"/>
-              <a:t>Form</a:t>
-            </a:r>
-            <a:r>
-              <a:rPr lang="zh-CN" altLang="en-US" dirty="0" smtClean="0"/>
-              <a:t>数据</a:t>
-            </a:r>
-            <a:endParaRPr lang="en-US" altLang="zh-CN" dirty="0" smtClean="0"/>
-          </a:p>
-          <a:p>
-            <a:pPr lvl="1"/>
-            <a:r>
-              <a:rPr lang="en-US" altLang="zh-CN" dirty="0" smtClean="0"/>
-              <a:t>Header</a:t>
-            </a:r>
-            <a:r>
-              <a:rPr lang="zh-CN" altLang="en-US" dirty="0" smtClean="0"/>
-              <a:t>中的数据</a:t>
-            </a:r>
-            <a:endParaRPr lang="en-US" altLang="zh-CN" dirty="0" smtClean="0"/>
-          </a:p>
-          <a:p>
-            <a:r>
-              <a:rPr lang="zh-CN" altLang="en-US" dirty="0" smtClean="0"/>
-              <a:t>生成结果响应</a:t>
-            </a:r>
-            <a:endParaRPr lang="en-US" altLang="zh-CN" dirty="0" smtClean="0"/>
-          </a:p>
-          <a:p>
-            <a:pPr lvl="1"/>
-            <a:r>
-              <a:rPr lang="zh-CN" altLang="en-US" dirty="0" smtClean="0"/>
-              <a:t>各种类型的数据 </a:t>
-            </a:r>
-            <a:endParaRPr lang="en-US" altLang="zh-CN" dirty="0"/>
-          </a:p>
-          <a:p>
-            <a:pPr lvl="1"/>
-            <a:r>
-              <a:rPr lang="zh-CN" altLang="en-US" dirty="0" smtClean="0"/>
-              <a:t>设置响应状态码</a:t>
-            </a:r>
-            <a:endParaRPr lang="en-US" altLang="zh-CN" dirty="0" smtClean="0"/>
-          </a:p>
-          <a:p>
-            <a:pPr lvl="1"/>
-            <a:r>
-              <a:rPr lang="zh-CN" altLang="en-US" dirty="0" smtClean="0"/>
-              <a:t>设置响应</a:t>
-            </a:r>
-            <a:r>
-              <a:rPr lang="en-US" altLang="zh-CN" dirty="0" smtClean="0"/>
-              <a:t>Header</a:t>
-            </a:r>
-            <a:r>
-              <a:rPr lang="zh-CN" altLang="en-US" dirty="0" smtClean="0"/>
-              <a:t>数据</a:t>
-            </a:r>
-            <a:endParaRPr lang="zh-CN" altLang="en-US" dirty="0"/>
-          </a:p>
-        </p:txBody>
-      </p:sp>
-    </p:spTree>
-    <p:extLst>
-      <p:ext uri="{BB962C8B-B14F-4D97-AF65-F5344CB8AC3E}">
-        <p14:creationId xmlns:p14="http://schemas.microsoft.com/office/powerpoint/2010/main" val="3288246481"/>
       </p:ext>
     </p:extLst>
   </p:cSld>
@@ -41806,15 +42907,7 @@
           <a:p>
             <a:r>
               <a:rPr lang="en-US" altLang="zh-CN" dirty="0" smtClean="0"/>
-              <a:t>Listener - </a:t>
-            </a:r>
-            <a:r>
-              <a:rPr lang="en-US" altLang="zh-CN" dirty="0"/>
-              <a:t>@</a:t>
-            </a:r>
-            <a:r>
-              <a:rPr lang="en-US" altLang="zh-CN" dirty="0" err="1"/>
-              <a:t>WebListener</a:t>
+              <a:t>Form Data</a:t>
             </a:r>
             <a:endParaRPr lang="zh-CN" altLang="en-US" dirty="0"/>
           </a:p>
@@ -41833,90 +42926,152 @@
         <p:spPr/>
         <p:txBody>
           <a:bodyPr>
-            <a:normAutofit lnSpcReduction="10000"/>
+            <a:normAutofit/>
           </a:bodyPr>
           <a:lstStyle/>
           <a:p>
             <a:r>
-              <a:rPr lang="zh-CN" altLang="en-US" dirty="0"/>
-              <a:t>该注解用于将类声明为监听器，被 </a:t>
+              <a:rPr lang="en-US" altLang="zh-CN" sz="2800" dirty="0" smtClean="0"/>
+              <a:t>HTML</a:t>
             </a:r>
             <a:r>
-              <a:rPr lang="en-US" altLang="zh-CN" dirty="0"/>
-              <a:t>@</a:t>
+              <a:rPr lang="zh-CN" altLang="en-US" sz="2800" dirty="0" smtClean="0"/>
+              <a:t>表单</a:t>
             </a:r>
-            <a:r>
-              <a:rPr lang="en-US" altLang="zh-CN" dirty="0" err="1"/>
-              <a:t>WebListener</a:t>
-            </a:r>
-            <a:r>
-              <a:rPr lang="en-US" altLang="zh-CN" dirty="0"/>
-              <a:t> </a:t>
-            </a:r>
-            <a:r>
-              <a:rPr lang="zh-CN" altLang="en-US" dirty="0"/>
-              <a:t>标注的类必须实现以下至少一个接口</a:t>
-            </a:r>
-            <a:r>
-              <a:rPr lang="zh-CN" altLang="en-US" dirty="0" smtClean="0"/>
-              <a:t>：</a:t>
-            </a:r>
-            <a:endParaRPr lang="en-US" altLang="zh-CN" dirty="0" smtClean="0"/>
+            <a:endParaRPr lang="en-US" altLang="zh-CN" sz="2800" dirty="0"/>
           </a:p>
           <a:p>
             <a:pPr lvl="1"/>
             <a:r>
-              <a:rPr lang="en-US" altLang="zh-CN" dirty="0" err="1"/>
-              <a:t>ServletContextListener</a:t>
+              <a:rPr lang="en-US" altLang="zh-CN" sz="2400" dirty="0" smtClean="0"/>
+              <a:t>&lt;</a:t>
             </a:r>
-            <a:endParaRPr lang="en-US" altLang="zh-CN" dirty="0"/>
+            <a:r>
+              <a:rPr lang="en-US" altLang="zh-CN" sz="2400" dirty="0"/>
+              <a:t>INPUT TYPE="TEXT" NAME="</a:t>
+            </a:r>
+            <a:r>
+              <a:rPr lang="en-US" altLang="zh-CN" sz="2400" dirty="0" err="1"/>
+              <a:t>firstName</a:t>
+            </a:r>
+            <a:r>
+              <a:rPr lang="en-US" altLang="zh-CN" sz="2400" dirty="0" smtClean="0"/>
+              <a:t>"&gt;</a:t>
+            </a:r>
+          </a:p>
+          <a:p>
+            <a:r>
+              <a:rPr lang="en-US" altLang="zh-CN" sz="2800" dirty="0"/>
+              <a:t>GET</a:t>
+            </a:r>
+            <a:r>
+              <a:rPr lang="zh-CN" altLang="en-US" sz="2800" dirty="0" smtClean="0"/>
+              <a:t>请求</a:t>
+            </a:r>
+            <a:endParaRPr lang="en-US" altLang="zh-CN" sz="2800" dirty="0"/>
           </a:p>
           <a:p>
             <a:pPr lvl="1"/>
             <a:r>
-              <a:rPr lang="en-US" altLang="zh-CN" dirty="0" err="1"/>
-              <a:t>ServletContextAttributeListener</a:t>
+              <a:rPr lang="en-US" altLang="zh-CN" sz="2400" dirty="0" smtClean="0"/>
+              <a:t>http</a:t>
             </a:r>
-            <a:endParaRPr lang="en-US" altLang="zh-CN" dirty="0"/>
+            <a:r>
+              <a:rPr lang="en-US" altLang="zh-CN" sz="2400" dirty="0"/>
+              <a:t>://</a:t>
+            </a:r>
+            <a:r>
+              <a:rPr lang="en-US" altLang="zh-CN" sz="2400" dirty="0" smtClean="0"/>
+              <a:t>host/path?firstname=Marty+Hall&amp;lastname=Lax</a:t>
+            </a:r>
+          </a:p>
+          <a:p>
+            <a:r>
+              <a:rPr lang="en-US" altLang="zh-CN" sz="2800" dirty="0" smtClean="0"/>
+              <a:t>POST</a:t>
+            </a:r>
+            <a:r>
+              <a:rPr lang="zh-CN" altLang="en-US" sz="2800" dirty="0" smtClean="0"/>
+              <a:t>请求</a:t>
+            </a:r>
+            <a:endParaRPr lang="en-US" altLang="zh-CN" sz="2800" dirty="0" smtClean="0"/>
           </a:p>
           <a:p>
             <a:pPr lvl="1"/>
             <a:r>
-              <a:rPr lang="en-US" altLang="zh-CN" dirty="0" err="1"/>
-              <a:t>ServletRequestListener</a:t>
+              <a:rPr lang="en-US" altLang="zh-CN" sz="2400" dirty="0" err="1"/>
+              <a:t>enctype</a:t>
             </a:r>
-            <a:endParaRPr lang="en-US" altLang="zh-CN" dirty="0"/>
+            <a:r>
+              <a:rPr lang="en-US" altLang="zh-CN" sz="2400" dirty="0"/>
+              <a:t>=</a:t>
+            </a:r>
+            <a:r>
+              <a:rPr lang="en-US" altLang="zh-CN" sz="2400" i="1" dirty="0"/>
+              <a:t>"</a:t>
+            </a:r>
+            <a:r>
+              <a:rPr lang="en-US" altLang="zh-CN" sz="2400" i="1" dirty="0" smtClean="0"/>
+              <a:t>application/x-www-form-</a:t>
+            </a:r>
+            <a:r>
+              <a:rPr lang="en-US" altLang="zh-CN" sz="2400" i="1" dirty="0" err="1" smtClean="0"/>
+              <a:t>urlencoded</a:t>
+            </a:r>
+            <a:r>
+              <a:rPr lang="en-US" altLang="zh-CN" sz="2400" i="1" dirty="0" smtClean="0"/>
+              <a:t>“</a:t>
+            </a:r>
+          </a:p>
+          <a:p>
+            <a:r>
+              <a:rPr lang="en-US" altLang="zh-CN" sz="2800" dirty="0" err="1" smtClean="0"/>
+              <a:t>HttpServletRequest</a:t>
+            </a:r>
+            <a:r>
+              <a:rPr lang="zh-CN" altLang="en-US" sz="2800" dirty="0" smtClean="0"/>
+              <a:t>请求参数处理</a:t>
+            </a:r>
+            <a:endParaRPr lang="en-US" altLang="zh-CN" sz="2800" dirty="0" smtClean="0"/>
           </a:p>
           <a:p>
             <a:pPr lvl="1"/>
             <a:r>
-              <a:rPr lang="en-US" altLang="zh-CN" dirty="0" err="1"/>
-              <a:t>ServletRequestAttributeListener</a:t>
+              <a:rPr lang="en-US" altLang="zh-CN" sz="2000" dirty="0" smtClean="0"/>
+              <a:t>String </a:t>
             </a:r>
-            <a:endParaRPr lang="en-US" altLang="zh-CN" dirty="0"/>
-          </a:p>
-          <a:p>
-            <a:pPr lvl="1"/>
             <a:r>
-              <a:rPr lang="en-US" altLang="zh-CN" dirty="0" err="1"/>
-              <a:t>HttpSessionListener</a:t>
+              <a:rPr lang="en-US" altLang="zh-CN" sz="2000" dirty="0" err="1" smtClean="0"/>
+              <a:t>fn</a:t>
             </a:r>
-            <a:endParaRPr lang="en-US" altLang="zh-CN" dirty="0"/>
-          </a:p>
-          <a:p>
-            <a:pPr lvl="1"/>
             <a:r>
-              <a:rPr lang="en-US" altLang="zh-CN" dirty="0" err="1"/>
-              <a:t>HttpSessionAttributeListener</a:t>
+              <a:rPr lang="en-US" altLang="zh-CN" sz="2000" dirty="0" smtClean="0"/>
+              <a:t> = </a:t>
             </a:r>
-            <a:endParaRPr lang="zh-CN" altLang="en-US" dirty="0"/>
+            <a:r>
+              <a:rPr lang="en-US" altLang="zh-CN" sz="2000" dirty="0" err="1" smtClean="0"/>
+              <a:t>request.getParameter</a:t>
+            </a:r>
+            <a:r>
+              <a:rPr lang="en-US" altLang="zh-CN" sz="2000" dirty="0"/>
+              <a:t>("</a:t>
+            </a:r>
+            <a:r>
+              <a:rPr lang="en-US" altLang="zh-CN" sz="2000" dirty="0" err="1"/>
+              <a:t>firstName</a:t>
+            </a:r>
+            <a:r>
+              <a:rPr lang="en-US" altLang="zh-CN" sz="2000" dirty="0"/>
+              <a:t>")</a:t>
+            </a:r>
+            <a:endParaRPr lang="zh-CN" altLang="en-US" sz="2000" dirty="0"/>
           </a:p>
         </p:txBody>
       </p:sp>
     </p:spTree>
     <p:extLst>
       <p:ext uri="{BB962C8B-B14F-4D97-AF65-F5344CB8AC3E}">
-        <p14:creationId xmlns:p14="http://schemas.microsoft.com/office/powerpoint/2010/main" val="2899053246"/>
+        <p14:creationId xmlns:p14="http://schemas.microsoft.com/office/powerpoint/2010/main" val="1981524719"/>
       </p:ext>
     </p:extLst>
   </p:cSld>
@@ -41967,22 +43122,15 @@
           </a:bodyPr>
           <a:lstStyle/>
           <a:p>
-            <a:pPr fontAlgn="base"/>
             <a:r>
-              <a:rPr lang="en-US" altLang="zh-CN" dirty="0">
-                <a:effectLst/>
-              </a:rPr>
-              <a:t>@</a:t>
+              <a:rPr lang="zh-CN" altLang="en-US" dirty="0" smtClean="0"/>
+              <a:t>请求</a:t>
             </a:r>
             <a:r>
-              <a:rPr lang="en-US" altLang="zh-CN" dirty="0" err="1">
-                <a:effectLst/>
-              </a:rPr>
-              <a:t>WebFilter</a:t>
+              <a:rPr lang="en-US" altLang="zh-CN" dirty="0" smtClean="0"/>
+              <a:t>Header </a:t>
             </a:r>
-            <a:endParaRPr lang="en-US" altLang="zh-CN" dirty="0">
-              <a:effectLst/>
-            </a:endParaRPr>
+            <a:endParaRPr lang="zh-CN" altLang="en-US" dirty="0"/>
           </a:p>
         </p:txBody>
       </p:sp>
@@ -41996,35 +43144,16 @@
             <p:ph idx="1"/>
           </p:nvPr>
         </p:nvSpPr>
-        <p:spPr>
-          <a:xfrm>
-            <a:off x="455074" y="908720"/>
-            <a:ext cx="8229600" cy="4525963"/>
-          </a:xfrm>
-        </p:spPr>
+        <p:spPr/>
         <p:txBody>
-          <a:bodyPr/>
+          <a:bodyPr>
+            <a:normAutofit fontScale="92500" lnSpcReduction="20000"/>
+          </a:bodyPr>
           <a:lstStyle/>
           <a:p>
             <a:r>
-              <a:rPr lang="en-US" altLang="zh-CN" dirty="0"/>
-              <a:t>@</a:t>
-            </a:r>
-            <a:r>
               <a:rPr lang="en-US" altLang="zh-CN" dirty="0" err="1"/>
-              <a:t>WebFilter</a:t>
-            </a:r>
-            <a:r>
-              <a:rPr lang="en-US" altLang="zh-CN" dirty="0"/>
-              <a:t> </a:t>
-            </a:r>
-            <a:r>
-              <a:rPr lang="zh-CN" altLang="en-US" dirty="0"/>
-              <a:t>用于将一个类声明为</a:t>
-            </a:r>
-            <a:r>
-              <a:rPr lang="zh-CN" altLang="en-US" dirty="0" smtClean="0"/>
-              <a:t>过滤器</a:t>
+              <a:t>HttpServletRequest</a:t>
             </a:r>
             <a:endParaRPr lang="en-US" altLang="zh-CN" dirty="0" smtClean="0"/>
           </a:p>
@@ -42032,88 +43161,92 @@
             <a:pPr lvl="1"/>
             <a:r>
               <a:rPr lang="en-US" altLang="zh-CN" dirty="0" err="1" smtClean="0"/>
-              <a:t>urlPatterns</a:t>
+              <a:t>getHeader</a:t>
+            </a:r>
+            <a:endParaRPr lang="en-US" altLang="zh-CN" dirty="0"/>
+          </a:p>
+          <a:p>
+            <a:pPr lvl="1"/>
+            <a:r>
+              <a:rPr lang="en-US" altLang="zh-CN" dirty="0" err="1" smtClean="0"/>
+              <a:t>getHeaders</a:t>
+            </a:r>
+            <a:endParaRPr lang="en-US" altLang="zh-CN" dirty="0"/>
+          </a:p>
+          <a:p>
+            <a:pPr lvl="1"/>
+            <a:r>
+              <a:rPr lang="en-US" altLang="zh-CN" dirty="0" err="1" smtClean="0"/>
+              <a:t>getHeaderNames</a:t>
+            </a:r>
+            <a:endParaRPr lang="en-US" altLang="zh-CN" dirty="0"/>
+          </a:p>
+          <a:p>
+            <a:pPr lvl="1"/>
+            <a:r>
+              <a:rPr lang="en-US" altLang="zh-CN" dirty="0" err="1" smtClean="0"/>
+              <a:t>getContentLength</a:t>
+            </a:r>
+            <a:endParaRPr lang="en-US" altLang="zh-CN" dirty="0"/>
+          </a:p>
+          <a:p>
+            <a:pPr lvl="1"/>
+            <a:r>
+              <a:rPr lang="en-US" altLang="zh-CN" dirty="0" err="1" smtClean="0"/>
+              <a:t>getContentType</a:t>
+            </a:r>
+            <a:endParaRPr lang="en-US" altLang="zh-CN" dirty="0"/>
+          </a:p>
+          <a:p>
+            <a:pPr lvl="1"/>
+            <a:r>
+              <a:rPr lang="en-US" altLang="zh-CN" dirty="0" err="1" smtClean="0"/>
+              <a:t>getDateHeader</a:t>
+            </a:r>
+            <a:endParaRPr lang="en-US" altLang="zh-CN" dirty="0"/>
+          </a:p>
+          <a:p>
+            <a:pPr lvl="1"/>
+            <a:r>
+              <a:rPr lang="en-US" altLang="zh-CN" dirty="0" err="1" smtClean="0"/>
+              <a:t>getIntHeader</a:t>
+            </a:r>
+            <a:endParaRPr lang="en-US" altLang="zh-CN" dirty="0"/>
+          </a:p>
+          <a:p>
+            <a:pPr lvl="1"/>
+            <a:r>
+              <a:rPr lang="en-US" altLang="zh-CN" dirty="0" err="1" smtClean="0"/>
+              <a:t>getMethod</a:t>
             </a:r>
             <a:r>
               <a:rPr lang="en-US" altLang="zh-CN" dirty="0"/>
-              <a:t>= </a:t>
+              <a:t>, </a:t>
             </a:r>
+            <a:endParaRPr lang="en-US" altLang="zh-CN" dirty="0" smtClean="0"/>
+          </a:p>
+          <a:p>
+            <a:pPr lvl="1"/>
             <a:r>
-              <a:rPr lang="en-US" altLang="zh-CN" dirty="0" smtClean="0"/>
-              <a:t>{"/*"}</a:t>
+              <a:rPr lang="en-US" altLang="zh-CN" dirty="0" err="1" smtClean="0"/>
+              <a:t>getRequestURI</a:t>
             </a:r>
-            <a:endParaRPr lang="zh-CN" altLang="en-US" dirty="0"/>
+            <a:endParaRPr lang="en-US" altLang="zh-CN" dirty="0"/>
+          </a:p>
+          <a:p>
+            <a:pPr lvl="1"/>
+            <a:r>
+              <a:rPr lang="en-US" altLang="zh-CN" dirty="0" err="1" smtClean="0"/>
+              <a:t>getQueryString</a:t>
+            </a:r>
+            <a:endParaRPr lang="en-US" altLang="zh-CN" dirty="0" smtClean="0"/>
           </a:p>
         </p:txBody>
       </p:sp>
-      <p:pic>
-        <p:nvPicPr>
-          <p:cNvPr id="1026" name="Picture 2"/>
-          <p:cNvPicPr>
-            <a:picLocks noChangeAspect="1" noChangeArrowheads="1"/>
-          </p:cNvPicPr>
-          <p:nvPr/>
-        </p:nvPicPr>
-        <p:blipFill>
-          <a:blip r:embed="rId2">
-            <a:extLst>
-              <a:ext uri="{28A0092B-C50C-407E-A947-70E740481C1C}">
-                <a14:useLocalDpi xmlns:a14="http://schemas.microsoft.com/office/drawing/2010/main" val="0"/>
-              </a:ext>
-            </a:extLst>
-          </a:blip>
-          <a:srcRect/>
-          <a:stretch>
-            <a:fillRect/>
-          </a:stretch>
-        </p:blipFill>
-        <p:spPr bwMode="auto">
-          <a:xfrm>
-            <a:off x="3455876" y="2113977"/>
-            <a:ext cx="2088232" cy="4332721"/>
-          </a:xfrm>
-          <a:prstGeom prst="rect">
-            <a:avLst/>
-          </a:prstGeom>
-          <a:noFill/>
-          <a:ln>
-            <a:noFill/>
-          </a:ln>
-          <a:effectLst/>
-          <a:extLst>
-            <a:ext uri="{909E8E84-426E-40DD-AFC4-6F175D3DCCD1}">
-              <a14:hiddenFill xmlns:a14="http://schemas.microsoft.com/office/drawing/2010/main">
-                <a:solidFill>
-                  <a:schemeClr val="accent1"/>
-                </a:solidFill>
-              </a14:hiddenFill>
-            </a:ext>
-            <a:ext uri="{91240B29-F687-4F45-9708-019B960494DF}">
-              <a14:hiddenLine xmlns:a14="http://schemas.microsoft.com/office/drawing/2010/main" w="9525">
-                <a:solidFill>
-                  <a:schemeClr val="tx1"/>
-                </a:solidFill>
-                <a:miter lim="800000"/>
-                <a:headEnd/>
-                <a:tailEnd/>
-              </a14:hiddenLine>
-            </a:ext>
-            <a:ext uri="{AF507438-7753-43E0-B8FC-AC1667EBCBE1}">
-              <a14:hiddenEffects xmlns:a14="http://schemas.microsoft.com/office/drawing/2010/main">
-                <a:effectLst>
-                  <a:outerShdw dist="35921" dir="2700000" algn="ctr" rotWithShape="0">
-                    <a:schemeClr val="bg2"/>
-                  </a:outerShdw>
-                </a:effectLst>
-              </a14:hiddenEffects>
-            </a:ext>
-          </a:extLst>
-        </p:spPr>
-      </p:pic>
     </p:spTree>
     <p:extLst>
       <p:ext uri="{BB962C8B-B14F-4D97-AF65-F5344CB8AC3E}">
-        <p14:creationId xmlns:p14="http://schemas.microsoft.com/office/powerpoint/2010/main" val="1899611556"/>
+        <p14:creationId xmlns:p14="http://schemas.microsoft.com/office/powerpoint/2010/main" val="3241999509"/>
       </p:ext>
     </p:extLst>
   </p:cSld>

--- a/spring/docs/02-servlet-basic.pptx
+++ b/spring/docs/02-servlet-basic.pptx
@@ -6,7 +6,7 @@
     <p:sldMasterId id="2147483660" r:id="rId2"/>
   </p:sldMasterIdLst>
   <p:notesMasterIdLst>
-    <p:notesMasterId r:id="rId25"/>
+    <p:notesMasterId r:id="rId26"/>
   </p:notesMasterIdLst>
   <p:sldIdLst>
     <p:sldId id="256" r:id="rId3"/>
@@ -26,11 +26,12 @@
     <p:sldId id="285" r:id="rId17"/>
     <p:sldId id="284" r:id="rId18"/>
     <p:sldId id="286" r:id="rId19"/>
-    <p:sldId id="268" r:id="rId20"/>
-    <p:sldId id="272" r:id="rId21"/>
-    <p:sldId id="269" r:id="rId22"/>
-    <p:sldId id="270" r:id="rId23"/>
-    <p:sldId id="261" r:id="rId24"/>
+    <p:sldId id="294" r:id="rId20"/>
+    <p:sldId id="268" r:id="rId21"/>
+    <p:sldId id="272" r:id="rId22"/>
+    <p:sldId id="269" r:id="rId23"/>
+    <p:sldId id="270" r:id="rId24"/>
+    <p:sldId id="261" r:id="rId25"/>
   </p:sldIdLst>
   <p:sldSz cx="9144000" cy="6858000" type="screen4x3"/>
   <p:notesSz cx="6858000" cy="9144000"/>
@@ -569,7 +570,7 @@
             <a:fld id="{96901A81-0F01-4EEE-B1B8-8AAFCC661EC4}" type="slidenum">
               <a:rPr lang="zh-CN" altLang="en-US" smtClean="0"/>
               <a:pPr/>
-              <a:t>22</a:t>
+              <a:t>23</a:t>
             </a:fld>
             <a:endParaRPr lang="zh-CN" altLang="en-US"/>
           </a:p>
@@ -41097,6 +41098,110 @@
       </p:grpSpPr>
       <p:sp>
         <p:nvSpPr>
+          <p:cNvPr id="2" name="标题 1"/>
+          <p:cNvSpPr>
+            <a:spLocks noGrp="1"/>
+          </p:cNvSpPr>
+          <p:nvPr>
+            <p:ph type="title"/>
+          </p:nvPr>
+        </p:nvSpPr>
+        <p:spPr/>
+        <p:txBody>
+          <a:bodyPr>
+            <a:normAutofit fontScale="90000"/>
+          </a:bodyPr>
+          <a:lstStyle/>
+          <a:p>
+            <a:r>
+              <a:rPr lang="zh-CN" altLang="en-US" dirty="0" smtClean="0"/>
+              <a:t>示例</a:t>
+            </a:r>
+            <a:endParaRPr lang="zh-CN" altLang="en-US" dirty="0"/>
+          </a:p>
+        </p:txBody>
+      </p:sp>
+      <p:sp>
+        <p:nvSpPr>
+          <p:cNvPr id="3" name="内容占位符 2"/>
+          <p:cNvSpPr>
+            <a:spLocks noGrp="1"/>
+          </p:cNvSpPr>
+          <p:nvPr>
+            <p:ph idx="1"/>
+          </p:nvPr>
+        </p:nvSpPr>
+        <p:spPr/>
+        <p:txBody>
+          <a:bodyPr/>
+          <a:lstStyle/>
+          <a:p>
+            <a:r>
+              <a:rPr lang="en-US" altLang="zh-CN" dirty="0" smtClean="0"/>
+              <a:t>JSON</a:t>
+            </a:r>
+            <a:r>
+              <a:rPr lang="zh-CN" altLang="en-US" dirty="0" smtClean="0"/>
+              <a:t>响应</a:t>
+            </a:r>
+            <a:endParaRPr lang="en-US" altLang="zh-CN" dirty="0" smtClean="0"/>
+          </a:p>
+          <a:p>
+            <a:r>
+              <a:rPr lang="en-US" altLang="zh-CN" dirty="0" smtClean="0"/>
+              <a:t>JSON</a:t>
+            </a:r>
+            <a:r>
+              <a:rPr lang="zh-CN" altLang="en-US" dirty="0" smtClean="0"/>
+              <a:t>请求</a:t>
+            </a:r>
+            <a:endParaRPr lang="en-US" altLang="zh-CN" dirty="0" smtClean="0"/>
+          </a:p>
+          <a:p>
+            <a:r>
+              <a:rPr lang="zh-CN" altLang="en-US" dirty="0" smtClean="0"/>
+              <a:t>生成</a:t>
+            </a:r>
+            <a:r>
+              <a:rPr lang="en-US" altLang="zh-CN" smtClean="0"/>
+              <a:t>PDF</a:t>
+            </a:r>
+            <a:endParaRPr lang="zh-CN" altLang="en-US" dirty="0"/>
+          </a:p>
+        </p:txBody>
+      </p:sp>
+    </p:spTree>
+    <p:extLst>
+      <p:ext uri="{BB962C8B-B14F-4D97-AF65-F5344CB8AC3E}">
+        <p14:creationId xmlns:p14="http://schemas.microsoft.com/office/powerpoint/2010/main" val="999986318"/>
+      </p:ext>
+    </p:extLst>
+  </p:cSld>
+  <p:clrMapOvr>
+    <a:masterClrMapping/>
+  </p:clrMapOvr>
+</p:sld>
+</file>
+
+<file path=ppt/slides/slide19.xml><?xml version="1.0" encoding="utf-8"?>
+<p:sld xmlns:a="http://schemas.openxmlformats.org/drawingml/2006/main" xmlns:r="http://schemas.openxmlformats.org/officeDocument/2006/relationships" xmlns:p="http://schemas.openxmlformats.org/presentationml/2006/main">
+  <p:cSld>
+    <p:spTree>
+      <p:nvGrpSpPr>
+        <p:cNvPr id="1" name=""/>
+        <p:cNvGrpSpPr/>
+        <p:nvPr/>
+      </p:nvGrpSpPr>
+      <p:grpSpPr>
+        <a:xfrm>
+          <a:off x="0" y="0"/>
+          <a:ext cx="0" cy="0"/>
+          <a:chOff x="0" y="0"/>
+          <a:chExt cx="0" cy="0"/>
+        </a:xfrm>
+      </p:grpSpPr>
+      <p:sp>
+        <p:nvSpPr>
           <p:cNvPr id="24578" name="内容占位符 1"/>
           <p:cNvSpPr>
             <a:spLocks noGrp="1"/>
@@ -41202,159 +41307,6 @@
     <p:extLst>
       <p:ext uri="{BB962C8B-B14F-4D97-AF65-F5344CB8AC3E}">
         <p14:creationId xmlns:p14="http://schemas.microsoft.com/office/powerpoint/2010/main" val="3250613225"/>
-      </p:ext>
-    </p:extLst>
-  </p:cSld>
-  <p:clrMapOvr>
-    <a:masterClrMapping/>
-  </p:clrMapOvr>
-  <p:timing>
-    <p:tnLst>
-      <p:par>
-        <p:cTn id="1" dur="indefinite" restart="never" nodeType="tmRoot"/>
-      </p:par>
-    </p:tnLst>
-  </p:timing>
-</p:sld>
-</file>
-
-<file path=ppt/slides/slide19.xml><?xml version="1.0" encoding="utf-8"?>
-<p:sld xmlns:a="http://schemas.openxmlformats.org/drawingml/2006/main" xmlns:r="http://schemas.openxmlformats.org/officeDocument/2006/relationships" xmlns:p="http://schemas.openxmlformats.org/presentationml/2006/main">
-  <p:cSld>
-    <p:spTree>
-      <p:nvGrpSpPr>
-        <p:cNvPr id="1" name=""/>
-        <p:cNvGrpSpPr/>
-        <p:nvPr/>
-      </p:nvGrpSpPr>
-      <p:grpSpPr>
-        <a:xfrm>
-          <a:off x="0" y="0"/>
-          <a:ext cx="0" cy="0"/>
-          <a:chOff x="0" y="0"/>
-          <a:chExt cx="0" cy="0"/>
-        </a:xfrm>
-      </p:grpSpPr>
-      <p:sp>
-        <p:nvSpPr>
-          <p:cNvPr id="28674" name="内容占位符 1"/>
-          <p:cNvSpPr>
-            <a:spLocks noGrp="1"/>
-          </p:cNvSpPr>
-          <p:nvPr>
-            <p:ph idx="1"/>
-          </p:nvPr>
-        </p:nvSpPr>
-        <p:spPr>
-          <a:xfrm>
-            <a:off x="428625" y="1143000"/>
-            <a:ext cx="8429625" cy="4525963"/>
-          </a:xfrm>
-        </p:spPr>
-        <p:txBody>
-          <a:bodyPr/>
-          <a:lstStyle/>
-          <a:p>
-            <a:pPr eaLnBrk="1" hangingPunct="1"/>
-            <a:endParaRPr lang="zh-CN" altLang="en-US" sz="2400" dirty="0" smtClean="0"/>
-          </a:p>
-        </p:txBody>
-      </p:sp>
-      <p:sp>
-        <p:nvSpPr>
-          <p:cNvPr id="3" name="标题 2"/>
-          <p:cNvSpPr>
-            <a:spLocks noGrp="1"/>
-          </p:cNvSpPr>
-          <p:nvPr>
-            <p:ph type="title"/>
-          </p:nvPr>
-        </p:nvSpPr>
-        <p:spPr>
-          <a:xfrm>
-            <a:off x="34925" y="188913"/>
-            <a:ext cx="8229600" cy="571500"/>
-          </a:xfrm>
-        </p:spPr>
-        <p:txBody>
-          <a:bodyPr>
-            <a:normAutofit fontScale="90000"/>
-          </a:bodyPr>
-          <a:lstStyle/>
-          <a:p>
-            <a:pPr eaLnBrk="1" hangingPunct="1">
-              <a:defRPr/>
-            </a:pPr>
-            <a:r>
-              <a:rPr lang="en-US" altLang="zh-CN" dirty="0" err="1" smtClean="0"/>
-              <a:t>DispatchServlet</a:t>
-            </a:r>
-            <a:r>
-              <a:rPr lang="en-US" altLang="zh-CN" dirty="0" smtClean="0"/>
-              <a:t> &amp; MVC</a:t>
-            </a:r>
-            <a:endParaRPr lang="zh-CN" altLang="en-US" dirty="0"/>
-          </a:p>
-        </p:txBody>
-      </p:sp>
-      <p:pic>
-        <p:nvPicPr>
-          <p:cNvPr id="28676" name="Picture 6"/>
-          <p:cNvPicPr>
-            <a:picLocks noChangeAspect="1" noChangeArrowheads="1"/>
-          </p:cNvPicPr>
-          <p:nvPr/>
-        </p:nvPicPr>
-        <p:blipFill>
-          <a:blip r:embed="rId2">
-            <a:extLst>
-              <a:ext uri="{28A0092B-C50C-407E-A947-70E740481C1C}">
-                <a14:useLocalDpi xmlns:a14="http://schemas.microsoft.com/office/drawing/2010/main" val="0"/>
-              </a:ext>
-            </a:extLst>
-          </a:blip>
-          <a:srcRect/>
-          <a:stretch>
-            <a:fillRect/>
-          </a:stretch>
-        </p:blipFill>
-        <p:spPr bwMode="auto">
-          <a:xfrm>
-            <a:off x="381000" y="1484784"/>
-            <a:ext cx="8443913" cy="3603625"/>
-          </a:xfrm>
-          <a:prstGeom prst="rect">
-            <a:avLst/>
-          </a:prstGeom>
-          <a:noFill/>
-          <a:ln>
-            <a:noFill/>
-          </a:ln>
-          <a:extLst>
-            <a:ext uri="{909E8E84-426E-40DD-AFC4-6F175D3DCCD1}">
-              <a14:hiddenFill xmlns:a14="http://schemas.microsoft.com/office/drawing/2010/main">
-                <a:solidFill>
-                  <a:srgbClr val="FFFFFF"/>
-                </a:solidFill>
-              </a14:hiddenFill>
-            </a:ext>
-            <a:ext uri="{91240B29-F687-4F45-9708-019B960494DF}">
-              <a14:hiddenLine xmlns:a14="http://schemas.microsoft.com/office/drawing/2010/main" w="9525" algn="ctr">
-                <a:solidFill>
-                  <a:srgbClr val="000000"/>
-                </a:solidFill>
-                <a:miter lim="800000"/>
-                <a:headEnd/>
-                <a:tailEnd/>
-              </a14:hiddenLine>
-            </a:ext>
-          </a:extLst>
-        </p:spPr>
-      </p:pic>
-    </p:spTree>
-    <p:extLst>
-      <p:ext uri="{BB962C8B-B14F-4D97-AF65-F5344CB8AC3E}">
-        <p14:creationId xmlns:p14="http://schemas.microsoft.com/office/powerpoint/2010/main" val="4172537215"/>
       </p:ext>
     </p:extLst>
   </p:cSld>
@@ -41542,6 +41494,159 @@
       </p:grpSpPr>
       <p:sp>
         <p:nvSpPr>
+          <p:cNvPr id="28674" name="内容占位符 1"/>
+          <p:cNvSpPr>
+            <a:spLocks noGrp="1"/>
+          </p:cNvSpPr>
+          <p:nvPr>
+            <p:ph idx="1"/>
+          </p:nvPr>
+        </p:nvSpPr>
+        <p:spPr>
+          <a:xfrm>
+            <a:off x="428625" y="1143000"/>
+            <a:ext cx="8429625" cy="4525963"/>
+          </a:xfrm>
+        </p:spPr>
+        <p:txBody>
+          <a:bodyPr/>
+          <a:lstStyle/>
+          <a:p>
+            <a:pPr eaLnBrk="1" hangingPunct="1"/>
+            <a:endParaRPr lang="zh-CN" altLang="en-US" sz="2400" dirty="0" smtClean="0"/>
+          </a:p>
+        </p:txBody>
+      </p:sp>
+      <p:sp>
+        <p:nvSpPr>
+          <p:cNvPr id="3" name="标题 2"/>
+          <p:cNvSpPr>
+            <a:spLocks noGrp="1"/>
+          </p:cNvSpPr>
+          <p:nvPr>
+            <p:ph type="title"/>
+          </p:nvPr>
+        </p:nvSpPr>
+        <p:spPr>
+          <a:xfrm>
+            <a:off x="34925" y="188913"/>
+            <a:ext cx="8229600" cy="571500"/>
+          </a:xfrm>
+        </p:spPr>
+        <p:txBody>
+          <a:bodyPr>
+            <a:normAutofit fontScale="90000"/>
+          </a:bodyPr>
+          <a:lstStyle/>
+          <a:p>
+            <a:pPr eaLnBrk="1" hangingPunct="1">
+              <a:defRPr/>
+            </a:pPr>
+            <a:r>
+              <a:rPr lang="en-US" altLang="zh-CN" dirty="0" err="1" smtClean="0"/>
+              <a:t>DispatchServlet</a:t>
+            </a:r>
+            <a:r>
+              <a:rPr lang="en-US" altLang="zh-CN" dirty="0" smtClean="0"/>
+              <a:t> &amp; MVC</a:t>
+            </a:r>
+            <a:endParaRPr lang="zh-CN" altLang="en-US" dirty="0"/>
+          </a:p>
+        </p:txBody>
+      </p:sp>
+      <p:pic>
+        <p:nvPicPr>
+          <p:cNvPr id="28676" name="Picture 6"/>
+          <p:cNvPicPr>
+            <a:picLocks noChangeAspect="1" noChangeArrowheads="1"/>
+          </p:cNvPicPr>
+          <p:nvPr/>
+        </p:nvPicPr>
+        <p:blipFill>
+          <a:blip r:embed="rId2">
+            <a:extLst>
+              <a:ext uri="{28A0092B-C50C-407E-A947-70E740481C1C}">
+                <a14:useLocalDpi xmlns:a14="http://schemas.microsoft.com/office/drawing/2010/main" val="0"/>
+              </a:ext>
+            </a:extLst>
+          </a:blip>
+          <a:srcRect/>
+          <a:stretch>
+            <a:fillRect/>
+          </a:stretch>
+        </p:blipFill>
+        <p:spPr bwMode="auto">
+          <a:xfrm>
+            <a:off x="381000" y="1484784"/>
+            <a:ext cx="8443913" cy="3603625"/>
+          </a:xfrm>
+          <a:prstGeom prst="rect">
+            <a:avLst/>
+          </a:prstGeom>
+          <a:noFill/>
+          <a:ln>
+            <a:noFill/>
+          </a:ln>
+          <a:extLst>
+            <a:ext uri="{909E8E84-426E-40DD-AFC4-6F175D3DCCD1}">
+              <a14:hiddenFill xmlns:a14="http://schemas.microsoft.com/office/drawing/2010/main">
+                <a:solidFill>
+                  <a:srgbClr val="FFFFFF"/>
+                </a:solidFill>
+              </a14:hiddenFill>
+            </a:ext>
+            <a:ext uri="{91240B29-F687-4F45-9708-019B960494DF}">
+              <a14:hiddenLine xmlns:a14="http://schemas.microsoft.com/office/drawing/2010/main" w="9525" algn="ctr">
+                <a:solidFill>
+                  <a:srgbClr val="000000"/>
+                </a:solidFill>
+                <a:miter lim="800000"/>
+                <a:headEnd/>
+                <a:tailEnd/>
+              </a14:hiddenLine>
+            </a:ext>
+          </a:extLst>
+        </p:spPr>
+      </p:pic>
+    </p:spTree>
+    <p:extLst>
+      <p:ext uri="{BB962C8B-B14F-4D97-AF65-F5344CB8AC3E}">
+        <p14:creationId xmlns:p14="http://schemas.microsoft.com/office/powerpoint/2010/main" val="4172537215"/>
+      </p:ext>
+    </p:extLst>
+  </p:cSld>
+  <p:clrMapOvr>
+    <a:masterClrMapping/>
+  </p:clrMapOvr>
+  <p:timing>
+    <p:tnLst>
+      <p:par>
+        <p:cTn id="1" dur="indefinite" restart="never" nodeType="tmRoot"/>
+      </p:par>
+    </p:tnLst>
+  </p:timing>
+</p:sld>
+</file>
+
+<file path=ppt/slides/slide21.xml><?xml version="1.0" encoding="utf-8"?>
+<p:sld xmlns:a="http://schemas.openxmlformats.org/drawingml/2006/main" xmlns:r="http://schemas.openxmlformats.org/officeDocument/2006/relationships" xmlns:p="http://schemas.openxmlformats.org/presentationml/2006/main">
+  <p:cSld>
+    <p:spTree>
+      <p:nvGrpSpPr>
+        <p:cNvPr id="1" name=""/>
+        <p:cNvGrpSpPr/>
+        <p:nvPr/>
+      </p:nvGrpSpPr>
+      <p:grpSpPr>
+        <a:xfrm>
+          <a:off x="0" y="0"/>
+          <a:ext cx="0" cy="0"/>
+          <a:chOff x="0" y="0"/>
+          <a:chExt cx="0" cy="0"/>
+        </a:xfrm>
+      </p:grpSpPr>
+      <p:sp>
+        <p:nvSpPr>
           <p:cNvPr id="25602" name="内容占位符 1"/>
           <p:cNvSpPr>
             <a:spLocks noGrp="1"/>
@@ -41657,7 +41762,7 @@
 </p:sld>
 </file>
 
-<file path=ppt/slides/slide21.xml><?xml version="1.0" encoding="utf-8"?>
+<file path=ppt/slides/slide22.xml><?xml version="1.0" encoding="utf-8"?>
 <p:sld xmlns:a="http://schemas.openxmlformats.org/drawingml/2006/main" xmlns:r="http://schemas.openxmlformats.org/officeDocument/2006/relationships" xmlns:p="http://schemas.openxmlformats.org/presentationml/2006/main">
   <p:cSld>
     <p:spTree>
@@ -41806,7 +41911,7 @@
 </p:sld>
 </file>
 
-<file path=ppt/slides/slide22.xml><?xml version="1.0" encoding="utf-8"?>
+<file path=ppt/slides/slide23.xml><?xml version="1.0" encoding="utf-8"?>
 <p:sld xmlns:a="http://schemas.openxmlformats.org/drawingml/2006/main" xmlns:r="http://schemas.openxmlformats.org/officeDocument/2006/relationships" xmlns:p="http://schemas.openxmlformats.org/presentationml/2006/main">
   <p:cSld>
     <p:spTree>
